--- a/markdown/files/slides/03_ink.pptx
+++ b/markdown/files/slides/03_ink.pptx
@@ -2356,7 +2356,7 @@
 </file>
 
 <file path=ppt/slides/slide10.xml><?xml version="1.0" encoding="utf-8"?>
-<p:sld xmlns:a="http://schemas.openxmlformats.org/drawingml/2006/main" xmlns:r="http://schemas.openxmlformats.org/officeDocument/2006/relationships" xmlns:p="http://schemas.openxmlformats.org/presentationml/2006/main">
+<p:sld xmlns:a="http://schemas.openxmlformats.org/drawingml/2006/main" xmlns:r="http://schemas.openxmlformats.org/officeDocument/2006/relationships" xmlns:p="http://schemas.openxmlformats.org/presentationml/2006/main" show="0">
   <p:cSld>
     <p:spTree>
       <p:nvGrpSpPr>
@@ -2615,7 +2615,7 @@
 </file>
 
 <file path=ppt/slides/slide11.xml><?xml version="1.0" encoding="utf-8"?>
-<p:sld xmlns:a="http://schemas.openxmlformats.org/drawingml/2006/main" xmlns:r="http://schemas.openxmlformats.org/officeDocument/2006/relationships" xmlns:p="http://schemas.openxmlformats.org/presentationml/2006/main">
+<p:sld xmlns:a="http://schemas.openxmlformats.org/drawingml/2006/main" xmlns:r="http://schemas.openxmlformats.org/officeDocument/2006/relationships" xmlns:p="http://schemas.openxmlformats.org/presentationml/2006/main" show="0">
   <p:cSld>
     <p:spTree>
       <p:nvGrpSpPr>
@@ -3041,8 +3041,8 @@
           </a:p>
         </p:txBody>
       </p:sp>
-      <mc:AlternateContent xmlns:mc="http://schemas.openxmlformats.org/markup-compatibility/2006" xmlns:a14="http://schemas.microsoft.com/office/drawing/2010/main">
-        <mc:Choice Requires="a14">
+      <mc:AlternateContent xmlns:mc="http://schemas.openxmlformats.org/markup-compatibility/2006">
+        <mc:Choice xmlns:a14="http://schemas.microsoft.com/office/drawing/2010/main" Requires="a14">
           <p:sp>
             <p:nvSpPr>
               <p:cNvPr id="3" name="Content Placeholder 2">
@@ -3183,7 +3183,11 @@
                 </a:pPr>
                 <a:r>
                   <a:rPr lang="en-US" dirty="0"/>
-                  <a:t>Do you think the statement is true or false?</a:t>
+                  <a:t>Do you think the statement is true or false? </a:t>
+                </a:r>
+                <a:r>
+                  <a:rPr lang="en-US" b="1" dirty="0"/>
+                  <a:t>TRUE</a:t>
                 </a:r>
               </a:p>
               <a:p>
@@ -3193,13 +3197,17 @@
                 </a:pPr>
                 <a:r>
                   <a:rPr lang="en-US" dirty="0"/>
-                  <a:t>Which strategy seems easiest to you?</a:t>
+                  <a:t>Which strategy seems easiest to you? </a:t>
+                </a:r>
+                <a:r>
+                  <a:rPr lang="en-US" b="1" dirty="0"/>
+                  <a:t>CONTRADICTION</a:t>
                 </a:r>
               </a:p>
             </p:txBody>
           </p:sp>
         </mc:Choice>
-        <mc:Fallback xmlns="">
+        <mc:Fallback>
           <p:sp>
             <p:nvSpPr>
               <p:cNvPr id="3" name="Content Placeholder 2">
@@ -4020,7 +4028,7 @@
 </file>
 
 <file path=ppt/slides/slide14.xml><?xml version="1.0" encoding="utf-8"?>
-<p:sld xmlns:a="http://schemas.openxmlformats.org/drawingml/2006/main" xmlns:r="http://schemas.openxmlformats.org/officeDocument/2006/relationships" xmlns:p="http://schemas.openxmlformats.org/presentationml/2006/main">
+<p:sld xmlns:a="http://schemas.openxmlformats.org/drawingml/2006/main" xmlns:r="http://schemas.openxmlformats.org/officeDocument/2006/relationships" xmlns:p="http://schemas.openxmlformats.org/presentationml/2006/main" show="0">
   <p:cSld>
     <p:spTree>
       <p:nvGrpSpPr>
@@ -4303,7 +4311,7 @@
 </file>
 
 <file path=ppt/slides/slide15.xml><?xml version="1.0" encoding="utf-8"?>
-<p:sld xmlns:a="http://schemas.openxmlformats.org/drawingml/2006/main" xmlns:r="http://schemas.openxmlformats.org/officeDocument/2006/relationships" xmlns:p="http://schemas.openxmlformats.org/presentationml/2006/main">
+<p:sld xmlns:a="http://schemas.openxmlformats.org/drawingml/2006/main" xmlns:r="http://schemas.openxmlformats.org/officeDocument/2006/relationships" xmlns:p="http://schemas.openxmlformats.org/presentationml/2006/main" show="0">
   <p:cSld>
     <p:spTree>
       <p:nvGrpSpPr>
@@ -5589,8 +5597,8 @@
           </a:p>
         </p:txBody>
       </p:sp>
-      <mc:AlternateContent xmlns:mc="http://schemas.openxmlformats.org/markup-compatibility/2006" xmlns:a14="http://schemas.microsoft.com/office/drawing/2010/main">
-        <mc:Choice Requires="a14">
+      <mc:AlternateContent xmlns:mc="http://schemas.openxmlformats.org/markup-compatibility/2006">
+        <mc:Choice xmlns:a14="http://schemas.microsoft.com/office/drawing/2010/main" Requires="a14">
           <p:sp>
             <p:nvSpPr>
               <p:cNvPr id="3" name="Content Placeholder 2">
@@ -5714,7 +5722,7 @@
                 </a:pPr>
                 <a:r>
                   <a:rPr lang="en-US" dirty="0"/>
-                  <a:t>Do you think the statement is true or false?</a:t>
+                  <a:t>Do you think the statement is true or false? FALSE</a:t>
                 </a:r>
               </a:p>
               <a:p>
@@ -5724,13 +5732,13 @@
                 </a:pPr>
                 <a:r>
                   <a:rPr lang="en-US" dirty="0"/>
-                  <a:t>Which strategy seems easiest to you?</a:t>
+                  <a:t>Which strategy seems easiest to you? COUNTEREXAMPLE</a:t>
                 </a:r>
               </a:p>
             </p:txBody>
           </p:sp>
         </mc:Choice>
-        <mc:Fallback xmlns="">
+        <mc:Fallback>
           <p:sp>
             <p:nvSpPr>
               <p:cNvPr id="3" name="Content Placeholder 2">
@@ -7446,8 +7454,8 @@
           </a:p>
         </p:txBody>
       </p:sp>
-      <mc:AlternateContent xmlns:mc="http://schemas.openxmlformats.org/markup-compatibility/2006" xmlns:a14="http://schemas.microsoft.com/office/drawing/2010/main">
-        <mc:Choice Requires="a14">
+      <mc:AlternateContent xmlns:mc="http://schemas.openxmlformats.org/markup-compatibility/2006">
+        <mc:Choice xmlns:a14="http://schemas.microsoft.com/office/drawing/2010/main" Requires="a14">
           <p:sp>
             <p:nvSpPr>
               <p:cNvPr id="3" name="Content Placeholder 2">
@@ -7565,7 +7573,7 @@
                 </a:pPr>
                 <a:r>
                   <a:rPr lang="en-US" dirty="0"/>
-                  <a:t>Do you think the statement is true or false?</a:t>
+                  <a:t>Do you think the statement is true or false? TRUE</a:t>
                 </a:r>
               </a:p>
               <a:p>
@@ -7575,13 +7583,13 @@
                 </a:pPr>
                 <a:r>
                   <a:rPr lang="en-US" dirty="0"/>
-                  <a:t>Which strategy seems easiest to you?</a:t>
+                  <a:t>Which strategy seems easiest to you? CONTRADICTION</a:t>
                 </a:r>
               </a:p>
             </p:txBody>
           </p:sp>
         </mc:Choice>
-        <mc:Fallback xmlns="">
+        <mc:Fallback>
           <p:sp>
             <p:nvSpPr>
               <p:cNvPr id="3" name="Content Placeholder 2">
@@ -8289,7 +8297,7 @@
 </file>
 
 <file path=ppt/slides/slide23.xml><?xml version="1.0" encoding="utf-8"?>
-<p:sld xmlns:a="http://schemas.openxmlformats.org/drawingml/2006/main" xmlns:r="http://schemas.openxmlformats.org/officeDocument/2006/relationships" xmlns:p="http://schemas.openxmlformats.org/presentationml/2006/main">
+<p:sld xmlns:a="http://schemas.openxmlformats.org/drawingml/2006/main" xmlns:r="http://schemas.openxmlformats.org/officeDocument/2006/relationships" xmlns:p="http://schemas.openxmlformats.org/presentationml/2006/main" show="0">
   <p:cSld>
     <p:spTree>
       <p:nvGrpSpPr>
@@ -8560,7 +8568,7 @@
 </file>
 
 <file path=ppt/slides/slide24.xml><?xml version="1.0" encoding="utf-8"?>
-<p:sld xmlns:a="http://schemas.openxmlformats.org/drawingml/2006/main" xmlns:r="http://schemas.openxmlformats.org/officeDocument/2006/relationships" xmlns:p="http://schemas.openxmlformats.org/presentationml/2006/main">
+<p:sld xmlns:a="http://schemas.openxmlformats.org/drawingml/2006/main" xmlns:r="http://schemas.openxmlformats.org/officeDocument/2006/relationships" xmlns:p="http://schemas.openxmlformats.org/presentationml/2006/main" show="0">
   <p:cSld>
     <p:spTree>
       <p:nvGrpSpPr>
@@ -8856,8 +8864,8 @@
           </a:p>
         </p:txBody>
       </p:sp>
-      <mc:AlternateContent xmlns:mc="http://schemas.openxmlformats.org/markup-compatibility/2006" xmlns:a14="http://schemas.microsoft.com/office/drawing/2010/main">
-        <mc:Choice Requires="a14">
+      <mc:AlternateContent xmlns:mc="http://schemas.openxmlformats.org/markup-compatibility/2006">
+        <mc:Choice xmlns:a14="http://schemas.microsoft.com/office/drawing/2010/main" Requires="a14">
           <p:sp>
             <p:nvSpPr>
               <p:cNvPr id="3" name="Content Placeholder 2">
@@ -8874,10 +8882,15 @@
                 <p:ph idx="1"/>
               </p:nvPr>
             </p:nvSpPr>
-            <p:spPr/>
+            <p:spPr>
+              <a:xfrm>
+                <a:off x="838200" y="1363980"/>
+                <a:ext cx="10515600" cy="5349336"/>
+              </a:xfrm>
+            </p:spPr>
             <p:txBody>
               <a:bodyPr>
-                <a:normAutofit/>
+                <a:normAutofit fontScale="62500" lnSpcReduction="20000"/>
               </a:bodyPr>
               <a:lstStyle/>
               <a:p>
@@ -8950,7 +8963,7 @@
                 </a:r>
                 <a:r>
                   <a:rPr lang="en-US" dirty="0"/>
-                  <a:t>suppose, towards reaching a contradiction, that we have an even integer </a:t>
+                  <a:t>suppose, towards reaching a contradiction, that we have an odd integer </a:t>
                 </a:r>
                 <a14:m>
                   <m:oMath xmlns:m="http://schemas.openxmlformats.org/officeDocument/2006/math">
@@ -9003,7 +9016,752 @@
                 </a14:m>
                 <a:r>
                   <a:rPr lang="en-US" dirty="0"/>
-                  <a:t> is even</a:t>
+                  <a:t> is odd</a:t>
+                </a:r>
+              </a:p>
+              <a:p>
+                <a:r>
+                  <a:rPr lang="en-US" dirty="0"/>
+                  <a:t>Since </a:t>
+                </a:r>
+                <a14:m>
+                  <m:oMath xmlns:m="http://schemas.openxmlformats.org/officeDocument/2006/math">
+                    <m:r>
+                      <a:rPr lang="en-US" b="0" i="1" smtClean="0">
+                        <a:latin typeface="Cambria Math" panose="02040503050406030204" pitchFamily="18" charset="0"/>
+                      </a:rPr>
+                      <m:t>𝑛</m:t>
+                    </m:r>
+                  </m:oMath>
+                </a14:m>
+                <a:r>
+                  <a:rPr lang="en-US" dirty="0"/>
+                  <a:t> is odd, we can say </a:t>
+                </a:r>
+                <a14:m>
+                  <m:oMath xmlns:m="http://schemas.openxmlformats.org/officeDocument/2006/math">
+                    <m:r>
+                      <a:rPr lang="en-US" b="0" i="1" smtClean="0">
+                        <a:latin typeface="Cambria Math" panose="02040503050406030204" pitchFamily="18" charset="0"/>
+                      </a:rPr>
+                      <m:t>𝑛</m:t>
+                    </m:r>
+                    <m:r>
+                      <a:rPr lang="en-US" b="0" i="1" smtClean="0">
+                        <a:latin typeface="Cambria Math" panose="02040503050406030204" pitchFamily="18" charset="0"/>
+                      </a:rPr>
+                      <m:t>=2</m:t>
+                    </m:r>
+                    <m:r>
+                      <a:rPr lang="en-US" b="0" i="1" smtClean="0">
+                        <a:latin typeface="Cambria Math" panose="02040503050406030204" pitchFamily="18" charset="0"/>
+                      </a:rPr>
+                      <m:t>𝑥</m:t>
+                    </m:r>
+                    <m:r>
+                      <a:rPr lang="en-US" b="0" i="1" smtClean="0">
+                        <a:latin typeface="Cambria Math" panose="02040503050406030204" pitchFamily="18" charset="0"/>
+                      </a:rPr>
+                      <m:t>+1</m:t>
+                    </m:r>
+                  </m:oMath>
+                </a14:m>
+                <a:r>
+                  <a:rPr lang="en-US" dirty="0"/>
+                  <a:t>. Since </a:t>
+                </a:r>
+                <a14:m>
+                  <m:oMath xmlns:m="http://schemas.openxmlformats.org/officeDocument/2006/math">
+                    <m:sSup>
+                      <m:sSupPr>
+                        <m:ctrlPr>
+                          <a:rPr lang="en-US" b="0" i="1" smtClean="0">
+                            <a:latin typeface="Cambria Math" panose="02040503050406030204" pitchFamily="18" charset="0"/>
+                          </a:rPr>
+                        </m:ctrlPr>
+                      </m:sSupPr>
+                      <m:e>
+                        <m:r>
+                          <a:rPr lang="en-US" b="0" i="1" smtClean="0">
+                            <a:latin typeface="Cambria Math" panose="02040503050406030204" pitchFamily="18" charset="0"/>
+                          </a:rPr>
+                          <m:t>𝑛</m:t>
+                        </m:r>
+                      </m:e>
+                      <m:sup>
+                        <m:r>
+                          <a:rPr lang="en-US" b="0" i="1" smtClean="0">
+                            <a:latin typeface="Cambria Math" panose="02040503050406030204" pitchFamily="18" charset="0"/>
+                          </a:rPr>
+                          <m:t>3</m:t>
+                        </m:r>
+                      </m:sup>
+                    </m:sSup>
+                    <m:r>
+                      <a:rPr lang="en-US" b="0" i="1" smtClean="0">
+                        <a:latin typeface="Cambria Math" panose="02040503050406030204" pitchFamily="18" charset="0"/>
+                      </a:rPr>
+                      <m:t>+5</m:t>
+                    </m:r>
+                  </m:oMath>
+                </a14:m>
+                <a:r>
+                  <a:rPr lang="en-US" dirty="0"/>
+                  <a:t> is odd, we can say </a:t>
+                </a:r>
+                <a14:m>
+                  <m:oMath xmlns:m="http://schemas.openxmlformats.org/officeDocument/2006/math">
+                    <m:sSup>
+                      <m:sSupPr>
+                        <m:ctrlPr>
+                          <a:rPr lang="en-US" b="0" i="1" smtClean="0">
+                            <a:latin typeface="Cambria Math" panose="02040503050406030204" pitchFamily="18" charset="0"/>
+                          </a:rPr>
+                        </m:ctrlPr>
+                      </m:sSupPr>
+                      <m:e>
+                        <m:r>
+                          <a:rPr lang="en-US" b="0" i="1" smtClean="0">
+                            <a:latin typeface="Cambria Math" panose="02040503050406030204" pitchFamily="18" charset="0"/>
+                          </a:rPr>
+                          <m:t>𝑛</m:t>
+                        </m:r>
+                      </m:e>
+                      <m:sup>
+                        <m:r>
+                          <a:rPr lang="en-US" b="0" i="1" smtClean="0">
+                            <a:latin typeface="Cambria Math" panose="02040503050406030204" pitchFamily="18" charset="0"/>
+                          </a:rPr>
+                          <m:t>3</m:t>
+                        </m:r>
+                      </m:sup>
+                    </m:sSup>
+                    <m:r>
+                      <a:rPr lang="en-US" b="0" i="1" smtClean="0">
+                        <a:latin typeface="Cambria Math" panose="02040503050406030204" pitchFamily="18" charset="0"/>
+                      </a:rPr>
+                      <m:t>+5=2</m:t>
+                    </m:r>
+                    <m:r>
+                      <a:rPr lang="en-US" b="0" i="1" smtClean="0">
+                        <a:latin typeface="Cambria Math" panose="02040503050406030204" pitchFamily="18" charset="0"/>
+                      </a:rPr>
+                      <m:t>𝑦</m:t>
+                    </m:r>
+                    <m:r>
+                      <a:rPr lang="en-US" b="0" i="1" smtClean="0">
+                        <a:latin typeface="Cambria Math" panose="02040503050406030204" pitchFamily="18" charset="0"/>
+                      </a:rPr>
+                      <m:t>+1</m:t>
+                    </m:r>
+                  </m:oMath>
+                </a14:m>
+                <a:endParaRPr lang="en-US" dirty="0"/>
+              </a:p>
+              <a:p>
+                <a:r>
+                  <a:rPr lang="en-US" dirty="0"/>
+                  <a:t>So starting with </a:t>
+                </a:r>
+                <a14:m>
+                  <m:oMath xmlns:m="http://schemas.openxmlformats.org/officeDocument/2006/math">
+                    <m:sSup>
+                      <m:sSupPr>
+                        <m:ctrlPr>
+                          <a:rPr lang="en-US" b="0" i="1" smtClean="0">
+                            <a:latin typeface="Cambria Math" panose="02040503050406030204" pitchFamily="18" charset="0"/>
+                          </a:rPr>
+                        </m:ctrlPr>
+                      </m:sSupPr>
+                      <m:e>
+                        <m:r>
+                          <a:rPr lang="en-US" b="0" i="1" smtClean="0">
+                            <a:latin typeface="Cambria Math" panose="02040503050406030204" pitchFamily="18" charset="0"/>
+                          </a:rPr>
+                          <m:t>𝑛</m:t>
+                        </m:r>
+                      </m:e>
+                      <m:sup>
+                        <m:r>
+                          <a:rPr lang="en-US" b="0" i="1" smtClean="0">
+                            <a:latin typeface="Cambria Math" panose="02040503050406030204" pitchFamily="18" charset="0"/>
+                          </a:rPr>
+                          <m:t>3</m:t>
+                        </m:r>
+                      </m:sup>
+                    </m:sSup>
+                    <m:r>
+                      <a:rPr lang="en-US" b="0" i="1" smtClean="0">
+                        <a:latin typeface="Cambria Math" panose="02040503050406030204" pitchFamily="18" charset="0"/>
+                      </a:rPr>
+                      <m:t>+5=2</m:t>
+                    </m:r>
+                    <m:r>
+                      <a:rPr lang="en-US" b="0" i="1" smtClean="0">
+                        <a:latin typeface="Cambria Math" panose="02040503050406030204" pitchFamily="18" charset="0"/>
+                      </a:rPr>
+                      <m:t>𝑦</m:t>
+                    </m:r>
+                    <m:r>
+                      <a:rPr lang="en-US" b="0" i="1" smtClean="0">
+                        <a:latin typeface="Cambria Math" panose="02040503050406030204" pitchFamily="18" charset="0"/>
+                      </a:rPr>
+                      <m:t>+1</m:t>
+                    </m:r>
+                  </m:oMath>
+                </a14:m>
+                <a:r>
+                  <a:rPr lang="en-US" dirty="0"/>
+                  <a:t> we can substitute </a:t>
+                </a:r>
+                <a14:m>
+                  <m:oMath xmlns:m="http://schemas.openxmlformats.org/officeDocument/2006/math">
+                    <m:r>
+                      <a:rPr lang="en-US" b="0" i="1" smtClean="0">
+                        <a:latin typeface="Cambria Math" panose="02040503050406030204" pitchFamily="18" charset="0"/>
+                      </a:rPr>
+                      <m:t>2</m:t>
+                    </m:r>
+                    <m:r>
+                      <a:rPr lang="en-US" b="0" i="1" smtClean="0">
+                        <a:latin typeface="Cambria Math" panose="02040503050406030204" pitchFamily="18" charset="0"/>
+                      </a:rPr>
+                      <m:t>𝑥</m:t>
+                    </m:r>
+                    <m:r>
+                      <a:rPr lang="en-US" b="0" i="1" smtClean="0">
+                        <a:latin typeface="Cambria Math" panose="02040503050406030204" pitchFamily="18" charset="0"/>
+                      </a:rPr>
+                      <m:t>+1</m:t>
+                    </m:r>
+                  </m:oMath>
+                </a14:m>
+                <a:r>
+                  <a:rPr lang="en-US" dirty="0"/>
+                  <a:t> for </a:t>
+                </a:r>
+                <a14:m>
+                  <m:oMath xmlns:m="http://schemas.openxmlformats.org/officeDocument/2006/math">
+                    <m:r>
+                      <a:rPr lang="en-US" b="0" i="1" smtClean="0">
+                        <a:latin typeface="Cambria Math" panose="02040503050406030204" pitchFamily="18" charset="0"/>
+                      </a:rPr>
+                      <m:t>𝑛</m:t>
+                    </m:r>
+                  </m:oMath>
+                </a14:m>
+                <a:r>
+                  <a:rPr lang="en-US" dirty="0"/>
+                  <a:t> to get </a:t>
+                </a:r>
+                <a14:m>
+                  <m:oMath xmlns:m="http://schemas.openxmlformats.org/officeDocument/2006/math">
+                    <m:sSup>
+                      <m:sSupPr>
+                        <m:ctrlPr>
+                          <a:rPr lang="en-US" b="0" i="1" smtClean="0">
+                            <a:latin typeface="Cambria Math" panose="02040503050406030204" pitchFamily="18" charset="0"/>
+                          </a:rPr>
+                        </m:ctrlPr>
+                      </m:sSupPr>
+                      <m:e>
+                        <m:d>
+                          <m:dPr>
+                            <m:ctrlPr>
+                              <a:rPr lang="en-US" b="0" i="1" smtClean="0">
+                                <a:latin typeface="Cambria Math" panose="02040503050406030204" pitchFamily="18" charset="0"/>
+                              </a:rPr>
+                            </m:ctrlPr>
+                          </m:dPr>
+                          <m:e>
+                            <m:r>
+                              <a:rPr lang="en-US" b="0" i="1" smtClean="0">
+                                <a:latin typeface="Cambria Math" panose="02040503050406030204" pitchFamily="18" charset="0"/>
+                              </a:rPr>
+                              <m:t>2</m:t>
+                            </m:r>
+                            <m:r>
+                              <a:rPr lang="en-US" b="0" i="1" smtClean="0">
+                                <a:latin typeface="Cambria Math" panose="02040503050406030204" pitchFamily="18" charset="0"/>
+                              </a:rPr>
+                              <m:t>𝑥</m:t>
+                            </m:r>
+                            <m:r>
+                              <a:rPr lang="en-US" b="0" i="1" smtClean="0">
+                                <a:latin typeface="Cambria Math" panose="02040503050406030204" pitchFamily="18" charset="0"/>
+                              </a:rPr>
+                              <m:t>+1</m:t>
+                            </m:r>
+                          </m:e>
+                        </m:d>
+                      </m:e>
+                      <m:sup>
+                        <m:r>
+                          <a:rPr lang="en-US" b="0" i="1" smtClean="0">
+                            <a:latin typeface="Cambria Math" panose="02040503050406030204" pitchFamily="18" charset="0"/>
+                          </a:rPr>
+                          <m:t>3</m:t>
+                        </m:r>
+                      </m:sup>
+                    </m:sSup>
+                    <m:r>
+                      <a:rPr lang="en-US" b="0" i="1" smtClean="0">
+                        <a:latin typeface="Cambria Math" panose="02040503050406030204" pitchFamily="18" charset="0"/>
+                      </a:rPr>
+                      <m:t>+5=2</m:t>
+                    </m:r>
+                    <m:r>
+                      <a:rPr lang="en-US" b="0" i="1" smtClean="0">
+                        <a:latin typeface="Cambria Math" panose="02040503050406030204" pitchFamily="18" charset="0"/>
+                      </a:rPr>
+                      <m:t>𝑦</m:t>
+                    </m:r>
+                    <m:r>
+                      <a:rPr lang="en-US" b="0" i="1" smtClean="0">
+                        <a:latin typeface="Cambria Math" panose="02040503050406030204" pitchFamily="18" charset="0"/>
+                      </a:rPr>
+                      <m:t>+1</m:t>
+                    </m:r>
+                  </m:oMath>
+                </a14:m>
+                <a:r>
+                  <a:rPr lang="en-US" dirty="0"/>
+                  <a:t>. The we apply algebra as follows:</a:t>
+                </a:r>
+              </a:p>
+              <a:p>
+                <a14:m>
+                  <m:oMathPara xmlns:m="http://schemas.openxmlformats.org/officeDocument/2006/math">
+                    <m:oMathParaPr>
+                      <m:jc m:val="centerGroup"/>
+                    </m:oMathParaPr>
+                    <m:oMath xmlns:m="http://schemas.openxmlformats.org/officeDocument/2006/math">
+                      <m:r>
+                        <a:rPr lang="en-US" b="0" i="1" smtClean="0">
+                          <a:latin typeface="Cambria Math" panose="02040503050406030204" pitchFamily="18" charset="0"/>
+                        </a:rPr>
+                        <m:t>2</m:t>
+                      </m:r>
+                      <m:r>
+                        <a:rPr lang="en-US" b="0" i="1" smtClean="0">
+                          <a:latin typeface="Cambria Math" panose="02040503050406030204" pitchFamily="18" charset="0"/>
+                        </a:rPr>
+                        <m:t>𝑦</m:t>
+                      </m:r>
+                      <m:r>
+                        <a:rPr lang="en-US" b="0" i="1" smtClean="0">
+                          <a:latin typeface="Cambria Math" panose="02040503050406030204" pitchFamily="18" charset="0"/>
+                        </a:rPr>
+                        <m:t>+1=</m:t>
+                      </m:r>
+                      <m:sSup>
+                        <m:sSupPr>
+                          <m:ctrlPr>
+                            <a:rPr lang="en-US" b="0" i="1" smtClean="0">
+                              <a:latin typeface="Cambria Math" panose="02040503050406030204" pitchFamily="18" charset="0"/>
+                            </a:rPr>
+                          </m:ctrlPr>
+                        </m:sSupPr>
+                        <m:e>
+                          <m:d>
+                            <m:dPr>
+                              <m:ctrlPr>
+                                <a:rPr lang="en-US" b="0" i="1" smtClean="0">
+                                  <a:latin typeface="Cambria Math" panose="02040503050406030204" pitchFamily="18" charset="0"/>
+                                </a:rPr>
+                              </m:ctrlPr>
+                            </m:dPr>
+                            <m:e>
+                              <m:r>
+                                <a:rPr lang="en-US" b="0" i="1" smtClean="0">
+                                  <a:latin typeface="Cambria Math" panose="02040503050406030204" pitchFamily="18" charset="0"/>
+                                </a:rPr>
+                                <m:t>2</m:t>
+                              </m:r>
+                              <m:r>
+                                <a:rPr lang="en-US" b="0" i="1" smtClean="0">
+                                  <a:latin typeface="Cambria Math" panose="02040503050406030204" pitchFamily="18" charset="0"/>
+                                </a:rPr>
+                                <m:t>𝑥</m:t>
+                              </m:r>
+                              <m:r>
+                                <a:rPr lang="en-US" b="0" i="1" smtClean="0">
+                                  <a:latin typeface="Cambria Math" panose="02040503050406030204" pitchFamily="18" charset="0"/>
+                                </a:rPr>
+                                <m:t>+1</m:t>
+                              </m:r>
+                            </m:e>
+                          </m:d>
+                        </m:e>
+                        <m:sup>
+                          <m:r>
+                            <a:rPr lang="en-US" b="0" i="1" smtClean="0">
+                              <a:latin typeface="Cambria Math" panose="02040503050406030204" pitchFamily="18" charset="0"/>
+                            </a:rPr>
+                            <m:t>3</m:t>
+                          </m:r>
+                        </m:sup>
+                      </m:sSup>
+                      <m:r>
+                        <a:rPr lang="en-US" b="0" i="1" smtClean="0">
+                          <a:latin typeface="Cambria Math" panose="02040503050406030204" pitchFamily="18" charset="0"/>
+                        </a:rPr>
+                        <m:t>+5</m:t>
+                      </m:r>
+                    </m:oMath>
+                  </m:oMathPara>
+                </a14:m>
+                <a:endParaRPr lang="en-US" b="0" dirty="0"/>
+              </a:p>
+              <a:p>
+                <a14:m>
+                  <m:oMathPara xmlns:m="http://schemas.openxmlformats.org/officeDocument/2006/math">
+                    <m:oMathParaPr>
+                      <m:jc m:val="centerGroup"/>
+                    </m:oMathParaPr>
+                    <m:oMath xmlns:m="http://schemas.openxmlformats.org/officeDocument/2006/math">
+                      <m:r>
+                        <a:rPr lang="en-US" b="0" i="1" smtClean="0">
+                          <a:latin typeface="Cambria Math" panose="02040503050406030204" pitchFamily="18" charset="0"/>
+                        </a:rPr>
+                        <m:t>2</m:t>
+                      </m:r>
+                      <m:r>
+                        <a:rPr lang="en-US" b="0" i="1" smtClean="0">
+                          <a:latin typeface="Cambria Math" panose="02040503050406030204" pitchFamily="18" charset="0"/>
+                        </a:rPr>
+                        <m:t>𝑦</m:t>
+                      </m:r>
+                      <m:r>
+                        <a:rPr lang="en-US" b="0" i="1" smtClean="0">
+                          <a:latin typeface="Cambria Math" panose="02040503050406030204" pitchFamily="18" charset="0"/>
+                        </a:rPr>
+                        <m:t>+1=8</m:t>
+                      </m:r>
+                      <m:sSup>
+                        <m:sSupPr>
+                          <m:ctrlPr>
+                            <a:rPr lang="en-US" b="0" i="1" smtClean="0">
+                              <a:latin typeface="Cambria Math" panose="02040503050406030204" pitchFamily="18" charset="0"/>
+                            </a:rPr>
+                          </m:ctrlPr>
+                        </m:sSupPr>
+                        <m:e>
+                          <m:r>
+                            <a:rPr lang="en-US" b="0" i="1" smtClean="0">
+                              <a:latin typeface="Cambria Math" panose="02040503050406030204" pitchFamily="18" charset="0"/>
+                            </a:rPr>
+                            <m:t>𝑥</m:t>
+                          </m:r>
+                        </m:e>
+                        <m:sup>
+                          <m:r>
+                            <a:rPr lang="en-US" b="0" i="1" smtClean="0">
+                              <a:latin typeface="Cambria Math" panose="02040503050406030204" pitchFamily="18" charset="0"/>
+                            </a:rPr>
+                            <m:t>3</m:t>
+                          </m:r>
+                        </m:sup>
+                      </m:sSup>
+                      <m:r>
+                        <a:rPr lang="en-US" b="0" i="1" smtClean="0">
+                          <a:latin typeface="Cambria Math" panose="02040503050406030204" pitchFamily="18" charset="0"/>
+                        </a:rPr>
+                        <m:t>+12</m:t>
+                      </m:r>
+                      <m:sSup>
+                        <m:sSupPr>
+                          <m:ctrlPr>
+                            <a:rPr lang="en-US" b="0" i="1" smtClean="0">
+                              <a:latin typeface="Cambria Math" panose="02040503050406030204" pitchFamily="18" charset="0"/>
+                            </a:rPr>
+                          </m:ctrlPr>
+                        </m:sSupPr>
+                        <m:e>
+                          <m:r>
+                            <a:rPr lang="en-US" b="0" i="1" smtClean="0">
+                              <a:latin typeface="Cambria Math" panose="02040503050406030204" pitchFamily="18" charset="0"/>
+                            </a:rPr>
+                            <m:t>𝑥</m:t>
+                          </m:r>
+                        </m:e>
+                        <m:sup>
+                          <m:r>
+                            <a:rPr lang="en-US" b="0" i="1" smtClean="0">
+                              <a:latin typeface="Cambria Math" panose="02040503050406030204" pitchFamily="18" charset="0"/>
+                            </a:rPr>
+                            <m:t>2</m:t>
+                          </m:r>
+                        </m:sup>
+                      </m:sSup>
+                      <m:r>
+                        <a:rPr lang="en-US" b="0" i="1" smtClean="0">
+                          <a:latin typeface="Cambria Math" panose="02040503050406030204" pitchFamily="18" charset="0"/>
+                        </a:rPr>
+                        <m:t>+6</m:t>
+                      </m:r>
+                      <m:r>
+                        <a:rPr lang="en-US" b="0" i="1" smtClean="0">
+                          <a:latin typeface="Cambria Math" panose="02040503050406030204" pitchFamily="18" charset="0"/>
+                        </a:rPr>
+                        <m:t>𝑥</m:t>
+                      </m:r>
+                      <m:r>
+                        <a:rPr lang="en-US" b="0" i="1" smtClean="0">
+                          <a:latin typeface="Cambria Math" panose="02040503050406030204" pitchFamily="18" charset="0"/>
+                        </a:rPr>
+                        <m:t>+1+5</m:t>
+                      </m:r>
+                    </m:oMath>
+                  </m:oMathPara>
+                </a14:m>
+                <a:endParaRPr lang="en-US" dirty="0"/>
+              </a:p>
+              <a:p>
+                <a14:m>
+                  <m:oMathPara xmlns:m="http://schemas.openxmlformats.org/officeDocument/2006/math">
+                    <m:oMathParaPr>
+                      <m:jc m:val="centerGroup"/>
+                    </m:oMathParaPr>
+                    <m:oMath xmlns:m="http://schemas.openxmlformats.org/officeDocument/2006/math">
+                      <m:r>
+                        <a:rPr lang="en-US" b="0" i="1" smtClean="0">
+                          <a:latin typeface="Cambria Math" panose="02040503050406030204" pitchFamily="18" charset="0"/>
+                        </a:rPr>
+                        <m:t>2</m:t>
+                      </m:r>
+                      <m:r>
+                        <a:rPr lang="en-US" b="0" i="1" smtClean="0">
+                          <a:latin typeface="Cambria Math" panose="02040503050406030204" pitchFamily="18" charset="0"/>
+                        </a:rPr>
+                        <m:t>𝑦</m:t>
+                      </m:r>
+                      <m:r>
+                        <a:rPr lang="en-US" b="0" i="1" smtClean="0">
+                          <a:latin typeface="Cambria Math" panose="02040503050406030204" pitchFamily="18" charset="0"/>
+                        </a:rPr>
+                        <m:t>=8</m:t>
+                      </m:r>
+                      <m:sSup>
+                        <m:sSupPr>
+                          <m:ctrlPr>
+                            <a:rPr lang="en-US" b="0" i="1" smtClean="0">
+                              <a:latin typeface="Cambria Math" panose="02040503050406030204" pitchFamily="18" charset="0"/>
+                            </a:rPr>
+                          </m:ctrlPr>
+                        </m:sSupPr>
+                        <m:e>
+                          <m:r>
+                            <a:rPr lang="en-US" b="0" i="1" smtClean="0">
+                              <a:latin typeface="Cambria Math" panose="02040503050406030204" pitchFamily="18" charset="0"/>
+                            </a:rPr>
+                            <m:t>𝑥</m:t>
+                          </m:r>
+                        </m:e>
+                        <m:sup>
+                          <m:r>
+                            <a:rPr lang="en-US" b="0" i="1" smtClean="0">
+                              <a:latin typeface="Cambria Math" panose="02040503050406030204" pitchFamily="18" charset="0"/>
+                            </a:rPr>
+                            <m:t>3</m:t>
+                          </m:r>
+                        </m:sup>
+                      </m:sSup>
+                      <m:r>
+                        <a:rPr lang="en-US" b="0" i="1" smtClean="0">
+                          <a:latin typeface="Cambria Math" panose="02040503050406030204" pitchFamily="18" charset="0"/>
+                        </a:rPr>
+                        <m:t>+12</m:t>
+                      </m:r>
+                      <m:sSup>
+                        <m:sSupPr>
+                          <m:ctrlPr>
+                            <a:rPr lang="en-US" b="0" i="1" smtClean="0">
+                              <a:latin typeface="Cambria Math" panose="02040503050406030204" pitchFamily="18" charset="0"/>
+                            </a:rPr>
+                          </m:ctrlPr>
+                        </m:sSupPr>
+                        <m:e>
+                          <m:r>
+                            <a:rPr lang="en-US" b="0" i="1" smtClean="0">
+                              <a:latin typeface="Cambria Math" panose="02040503050406030204" pitchFamily="18" charset="0"/>
+                            </a:rPr>
+                            <m:t>𝑥</m:t>
+                          </m:r>
+                        </m:e>
+                        <m:sup>
+                          <m:r>
+                            <a:rPr lang="en-US" b="0" i="1" smtClean="0">
+                              <a:latin typeface="Cambria Math" panose="02040503050406030204" pitchFamily="18" charset="0"/>
+                            </a:rPr>
+                            <m:t>2</m:t>
+                          </m:r>
+                        </m:sup>
+                      </m:sSup>
+                      <m:r>
+                        <a:rPr lang="en-US" b="0" i="1" smtClean="0">
+                          <a:latin typeface="Cambria Math" panose="02040503050406030204" pitchFamily="18" charset="0"/>
+                        </a:rPr>
+                        <m:t>+6</m:t>
+                      </m:r>
+                      <m:r>
+                        <a:rPr lang="en-US" b="0" i="1" smtClean="0">
+                          <a:latin typeface="Cambria Math" panose="02040503050406030204" pitchFamily="18" charset="0"/>
+                        </a:rPr>
+                        <m:t>𝑥</m:t>
+                      </m:r>
+                      <m:r>
+                        <a:rPr lang="en-US" b="0" i="1" smtClean="0">
+                          <a:latin typeface="Cambria Math" panose="02040503050406030204" pitchFamily="18" charset="0"/>
+                        </a:rPr>
+                        <m:t>+5</m:t>
+                      </m:r>
+                    </m:oMath>
+                  </m:oMathPara>
+                </a14:m>
+                <a:endParaRPr lang="en-US" dirty="0"/>
+              </a:p>
+              <a:p>
+                <a14:m>
+                  <m:oMathPara xmlns:m="http://schemas.openxmlformats.org/officeDocument/2006/math">
+                    <m:oMathParaPr>
+                      <m:jc m:val="centerGroup"/>
+                    </m:oMathParaPr>
+                    <m:oMath xmlns:m="http://schemas.openxmlformats.org/officeDocument/2006/math">
+                      <m:r>
+                        <a:rPr lang="en-US" b="0" i="1" smtClean="0">
+                          <a:latin typeface="Cambria Math" panose="02040503050406030204" pitchFamily="18" charset="0"/>
+                        </a:rPr>
+                        <m:t>𝑦</m:t>
+                      </m:r>
+                      <m:r>
+                        <a:rPr lang="en-US" b="0" i="1" smtClean="0">
+                          <a:latin typeface="Cambria Math" panose="02040503050406030204" pitchFamily="18" charset="0"/>
+                        </a:rPr>
+                        <m:t>=4</m:t>
+                      </m:r>
+                      <m:sSup>
+                        <m:sSupPr>
+                          <m:ctrlPr>
+                            <a:rPr lang="en-US" b="0" i="1" smtClean="0">
+                              <a:latin typeface="Cambria Math" panose="02040503050406030204" pitchFamily="18" charset="0"/>
+                            </a:rPr>
+                          </m:ctrlPr>
+                        </m:sSupPr>
+                        <m:e>
+                          <m:r>
+                            <a:rPr lang="en-US" b="0" i="1" smtClean="0">
+                              <a:latin typeface="Cambria Math" panose="02040503050406030204" pitchFamily="18" charset="0"/>
+                            </a:rPr>
+                            <m:t>𝑥</m:t>
+                          </m:r>
+                        </m:e>
+                        <m:sup>
+                          <m:r>
+                            <a:rPr lang="en-US" b="0" i="1" smtClean="0">
+                              <a:latin typeface="Cambria Math" panose="02040503050406030204" pitchFamily="18" charset="0"/>
+                            </a:rPr>
+                            <m:t>3</m:t>
+                          </m:r>
+                        </m:sup>
+                      </m:sSup>
+                      <m:r>
+                        <a:rPr lang="en-US" b="0" i="1" smtClean="0">
+                          <a:latin typeface="Cambria Math" panose="02040503050406030204" pitchFamily="18" charset="0"/>
+                        </a:rPr>
+                        <m:t>+6</m:t>
+                      </m:r>
+                      <m:sSup>
+                        <m:sSupPr>
+                          <m:ctrlPr>
+                            <a:rPr lang="en-US" b="0" i="1" smtClean="0">
+                              <a:latin typeface="Cambria Math" panose="02040503050406030204" pitchFamily="18" charset="0"/>
+                            </a:rPr>
+                          </m:ctrlPr>
+                        </m:sSupPr>
+                        <m:e>
+                          <m:r>
+                            <a:rPr lang="en-US" b="0" i="1" smtClean="0">
+                              <a:latin typeface="Cambria Math" panose="02040503050406030204" pitchFamily="18" charset="0"/>
+                            </a:rPr>
+                            <m:t>𝑥</m:t>
+                          </m:r>
+                        </m:e>
+                        <m:sup>
+                          <m:r>
+                            <a:rPr lang="en-US" b="0" i="1" smtClean="0">
+                              <a:latin typeface="Cambria Math" panose="02040503050406030204" pitchFamily="18" charset="0"/>
+                            </a:rPr>
+                            <m:t>2</m:t>
+                          </m:r>
+                        </m:sup>
+                      </m:sSup>
+                      <m:r>
+                        <a:rPr lang="en-US" b="0" i="1" smtClean="0">
+                          <a:latin typeface="Cambria Math" panose="02040503050406030204" pitchFamily="18" charset="0"/>
+                        </a:rPr>
+                        <m:t>+3</m:t>
+                      </m:r>
+                      <m:r>
+                        <a:rPr lang="en-US" b="0" i="1" smtClean="0">
+                          <a:latin typeface="Cambria Math" panose="02040503050406030204" pitchFamily="18" charset="0"/>
+                        </a:rPr>
+                        <m:t>𝑥</m:t>
+                      </m:r>
+                      <m:r>
+                        <a:rPr lang="en-US" b="0" i="1" smtClean="0">
+                          <a:latin typeface="Cambria Math" panose="02040503050406030204" pitchFamily="18" charset="0"/>
+                        </a:rPr>
+                        <m:t>+</m:t>
+                      </m:r>
+                      <m:f>
+                        <m:fPr>
+                          <m:ctrlPr>
+                            <a:rPr lang="en-US" b="0" i="1" smtClean="0">
+                              <a:latin typeface="Cambria Math" panose="02040503050406030204" pitchFamily="18" charset="0"/>
+                            </a:rPr>
+                          </m:ctrlPr>
+                        </m:fPr>
+                        <m:num>
+                          <m:r>
+                            <a:rPr lang="en-US" b="0" i="1" smtClean="0">
+                              <a:latin typeface="Cambria Math" panose="02040503050406030204" pitchFamily="18" charset="0"/>
+                            </a:rPr>
+                            <m:t>5</m:t>
+                          </m:r>
+                        </m:num>
+                        <m:den>
+                          <m:r>
+                            <a:rPr lang="en-US" b="0" i="1" smtClean="0">
+                              <a:latin typeface="Cambria Math" panose="02040503050406030204" pitchFamily="18" charset="0"/>
+                            </a:rPr>
+                            <m:t>2</m:t>
+                          </m:r>
+                        </m:den>
+                      </m:f>
+                    </m:oMath>
+                  </m:oMathPara>
+                </a14:m>
+                <a:endParaRPr lang="en-US" dirty="0"/>
+              </a:p>
+              <a:p>
+                <a:r>
+                  <a:rPr lang="en-US" dirty="0"/>
+                  <a:t>So </a:t>
+                </a:r>
+                <a14:m>
+                  <m:oMath xmlns:m="http://schemas.openxmlformats.org/officeDocument/2006/math">
+                    <m:r>
+                      <a:rPr lang="en-US" b="0" i="1" smtClean="0">
+                        <a:latin typeface="Cambria Math" panose="02040503050406030204" pitchFamily="18" charset="0"/>
+                      </a:rPr>
+                      <m:t>𝑦</m:t>
+                    </m:r>
+                  </m:oMath>
+                </a14:m>
+                <a:r>
+                  <a:rPr lang="en-US" dirty="0"/>
+                  <a:t> is not an integer, which is a contradiction!</a:t>
                 </a:r>
               </a:p>
               <a:p>
@@ -9037,7 +9795,7 @@
             </p:txBody>
           </p:sp>
         </mc:Choice>
-        <mc:Fallback xmlns="">
+        <mc:Fallback>
           <p:sp>
             <p:nvSpPr>
               <p:cNvPr id="3" name="Content Placeholder 2">
@@ -9055,10 +9813,14 @@
               </p:nvPr>
             </p:nvSpPr>
             <p:spPr>
+              <a:xfrm>
+                <a:off x="838200" y="1363980"/>
+                <a:ext cx="10515600" cy="5349336"/>
+              </a:xfrm>
               <a:blipFill>
                 <a:blip r:embed="rId2"/>
                 <a:stretch>
-                  <a:fillRect l="-1217" t="-380" r="-1797"/>
+                  <a:fillRect l="-522" t="-912"/>
                 </a:stretch>
               </a:blipFill>
             </p:spPr>
@@ -9230,8 +9992,8 @@
           </a:p>
         </p:txBody>
       </p:sp>
-      <mc:AlternateContent xmlns:mc="http://schemas.openxmlformats.org/markup-compatibility/2006" xmlns:a14="http://schemas.microsoft.com/office/drawing/2010/main">
-        <mc:Choice Requires="a14">
+      <mc:AlternateContent xmlns:mc="http://schemas.openxmlformats.org/markup-compatibility/2006">
+        <mc:Choice xmlns:a14="http://schemas.microsoft.com/office/drawing/2010/main" Requires="a14">
           <p:sp>
             <p:nvSpPr>
               <p:cNvPr id="3" name="Content Placeholder 2">
@@ -9338,7 +10100,7 @@
                 </a:pPr>
                 <a:r>
                   <a:rPr lang="en-US" dirty="0"/>
-                  <a:t>Do you think the statement is true or false?</a:t>
+                  <a:t>Do you think the statement is true or false? TRUE</a:t>
                 </a:r>
               </a:p>
               <a:p>
@@ -9348,13 +10110,13 @@
                 </a:pPr>
                 <a:r>
                   <a:rPr lang="en-US" dirty="0"/>
-                  <a:t>Which strategy seems easiest to you?</a:t>
+                  <a:t>Which strategy seems easiest to you? CONTRAPOSITIVE</a:t>
                 </a:r>
               </a:p>
             </p:txBody>
           </p:sp>
         </mc:Choice>
-        <mc:Fallback xmlns="">
+        <mc:Fallback>
           <p:sp>
             <p:nvSpPr>
               <p:cNvPr id="3" name="Content Placeholder 2">
@@ -10022,7 +10784,7 @@
 </file>
 
 <file path=ppt/slides/slide28.xml><?xml version="1.0" encoding="utf-8"?>
-<p:sld xmlns:a="http://schemas.openxmlformats.org/drawingml/2006/main" xmlns:r="http://schemas.openxmlformats.org/officeDocument/2006/relationships" xmlns:p="http://schemas.openxmlformats.org/presentationml/2006/main">
+<p:sld xmlns:a="http://schemas.openxmlformats.org/drawingml/2006/main" xmlns:r="http://schemas.openxmlformats.org/officeDocument/2006/relationships" xmlns:p="http://schemas.openxmlformats.org/presentationml/2006/main" show="0">
   <p:cSld>
     <p:spTree>
       <p:nvGrpSpPr>
@@ -10307,8 +11069,8 @@
           </a:p>
         </p:txBody>
       </p:sp>
-      <mc:AlternateContent xmlns:mc="http://schemas.openxmlformats.org/markup-compatibility/2006" xmlns:a14="http://schemas.microsoft.com/office/drawing/2010/main">
-        <mc:Choice Requires="a14">
+      <mc:AlternateContent xmlns:mc="http://schemas.openxmlformats.org/markup-compatibility/2006">
+        <mc:Choice xmlns:a14="http://schemas.microsoft.com/office/drawing/2010/main" Requires="a14">
           <p:sp>
             <p:nvSpPr>
               <p:cNvPr id="3" name="Content Placeholder 2">
@@ -10418,7 +11180,247 @@
                 </a14:m>
                 <a:r>
                   <a:rPr lang="en-US" dirty="0"/>
-                  <a:t> are both odd</a:t>
+                  <a:t> are both odd. We will say </a:t>
+                </a:r>
+                <a14:m>
+                  <m:oMath xmlns:m="http://schemas.openxmlformats.org/officeDocument/2006/math">
+                    <m:r>
+                      <a:rPr lang="en-US" b="0" i="1" smtClean="0">
+                        <a:latin typeface="Cambria Math" panose="02040503050406030204" pitchFamily="18" charset="0"/>
+                      </a:rPr>
+                      <m:t>𝑛</m:t>
+                    </m:r>
+                    <m:r>
+                      <a:rPr lang="en-US" b="0" i="1" smtClean="0">
+                        <a:latin typeface="Cambria Math" panose="02040503050406030204" pitchFamily="18" charset="0"/>
+                      </a:rPr>
+                      <m:t>=2</m:t>
+                    </m:r>
+                    <m:r>
+                      <a:rPr lang="en-US" b="0" i="1" smtClean="0">
+                        <a:latin typeface="Cambria Math" panose="02040503050406030204" pitchFamily="18" charset="0"/>
+                      </a:rPr>
+                      <m:t>𝑥</m:t>
+                    </m:r>
+                    <m:r>
+                      <a:rPr lang="en-US" b="0" i="1" smtClean="0">
+                        <a:latin typeface="Cambria Math" panose="02040503050406030204" pitchFamily="18" charset="0"/>
+                      </a:rPr>
+                      <m:t>+1</m:t>
+                    </m:r>
+                  </m:oMath>
+                </a14:m>
+                <a:r>
+                  <a:rPr lang="en-US" dirty="0"/>
+                  <a:t> and </a:t>
+                </a:r>
+                <a14:m>
+                  <m:oMath xmlns:m="http://schemas.openxmlformats.org/officeDocument/2006/math">
+                    <m:r>
+                      <a:rPr lang="en-US" b="0" i="1" smtClean="0">
+                        <a:latin typeface="Cambria Math" panose="02040503050406030204" pitchFamily="18" charset="0"/>
+                      </a:rPr>
+                      <m:t>𝑚</m:t>
+                    </m:r>
+                    <m:r>
+                      <a:rPr lang="en-US" b="0" i="1" smtClean="0">
+                        <a:latin typeface="Cambria Math" panose="02040503050406030204" pitchFamily="18" charset="0"/>
+                      </a:rPr>
+                      <m:t>=2</m:t>
+                    </m:r>
+                    <m:r>
+                      <a:rPr lang="en-US" b="0" i="1" smtClean="0">
+                        <a:latin typeface="Cambria Math" panose="02040503050406030204" pitchFamily="18" charset="0"/>
+                      </a:rPr>
+                      <m:t>𝑦</m:t>
+                    </m:r>
+                    <m:r>
+                      <a:rPr lang="en-US" b="0" i="1" smtClean="0">
+                        <a:latin typeface="Cambria Math" panose="02040503050406030204" pitchFamily="18" charset="0"/>
+                      </a:rPr>
+                      <m:t>+1 </m:t>
+                    </m:r>
+                  </m:oMath>
+                </a14:m>
+                <a:endParaRPr lang="en-US" dirty="0"/>
+              </a:p>
+              <a:p>
+                <a:r>
+                  <a:rPr lang="en-US" dirty="0"/>
+                  <a:t>And so </a:t>
+                </a:r>
+                <a14:m>
+                  <m:oMath xmlns:m="http://schemas.openxmlformats.org/officeDocument/2006/math">
+                    <m:r>
+                      <a:rPr lang="en-US" b="0" i="1" smtClean="0">
+                        <a:latin typeface="Cambria Math" panose="02040503050406030204" pitchFamily="18" charset="0"/>
+                      </a:rPr>
+                      <m:t>𝑛𝑚</m:t>
+                    </m:r>
+                    <m:r>
+                      <a:rPr lang="en-US" b="0" i="1" smtClean="0">
+                        <a:latin typeface="Cambria Math" panose="02040503050406030204" pitchFamily="18" charset="0"/>
+                      </a:rPr>
+                      <m:t>=</m:t>
+                    </m:r>
+                    <m:d>
+                      <m:dPr>
+                        <m:ctrlPr>
+                          <a:rPr lang="en-US" b="0" i="1" smtClean="0">
+                            <a:latin typeface="Cambria Math" panose="02040503050406030204" pitchFamily="18" charset="0"/>
+                          </a:rPr>
+                        </m:ctrlPr>
+                      </m:dPr>
+                      <m:e>
+                        <m:r>
+                          <a:rPr lang="en-US" b="0" i="1" smtClean="0">
+                            <a:latin typeface="Cambria Math" panose="02040503050406030204" pitchFamily="18" charset="0"/>
+                          </a:rPr>
+                          <m:t>2</m:t>
+                        </m:r>
+                        <m:r>
+                          <a:rPr lang="en-US" b="0" i="1" smtClean="0">
+                            <a:latin typeface="Cambria Math" panose="02040503050406030204" pitchFamily="18" charset="0"/>
+                          </a:rPr>
+                          <m:t>𝑥</m:t>
+                        </m:r>
+                        <m:r>
+                          <a:rPr lang="en-US" b="0" i="1" smtClean="0">
+                            <a:latin typeface="Cambria Math" panose="02040503050406030204" pitchFamily="18" charset="0"/>
+                          </a:rPr>
+                          <m:t>+1</m:t>
+                        </m:r>
+                      </m:e>
+                    </m:d>
+                    <m:d>
+                      <m:dPr>
+                        <m:ctrlPr>
+                          <a:rPr lang="en-US" b="0" i="1" smtClean="0">
+                            <a:latin typeface="Cambria Math" panose="02040503050406030204" pitchFamily="18" charset="0"/>
+                          </a:rPr>
+                        </m:ctrlPr>
+                      </m:dPr>
+                      <m:e>
+                        <m:r>
+                          <a:rPr lang="en-US" b="0" i="1" smtClean="0">
+                            <a:latin typeface="Cambria Math" panose="02040503050406030204" pitchFamily="18" charset="0"/>
+                          </a:rPr>
+                          <m:t>2</m:t>
+                        </m:r>
+                        <m:r>
+                          <a:rPr lang="en-US" b="0" i="1" smtClean="0">
+                            <a:latin typeface="Cambria Math" panose="02040503050406030204" pitchFamily="18" charset="0"/>
+                          </a:rPr>
+                          <m:t>𝑦</m:t>
+                        </m:r>
+                        <m:r>
+                          <a:rPr lang="en-US" b="0" i="1" smtClean="0">
+                            <a:latin typeface="Cambria Math" panose="02040503050406030204" pitchFamily="18" charset="0"/>
+                          </a:rPr>
+                          <m:t>+1</m:t>
+                        </m:r>
+                      </m:e>
+                    </m:d>
+                    <m:r>
+                      <a:rPr lang="en-US" b="0" i="1" smtClean="0">
+                        <a:latin typeface="Cambria Math" panose="02040503050406030204" pitchFamily="18" charset="0"/>
+                      </a:rPr>
+                      <m:t>=4</m:t>
+                    </m:r>
+                    <m:r>
+                      <a:rPr lang="en-US" b="0" i="1" smtClean="0">
+                        <a:latin typeface="Cambria Math" panose="02040503050406030204" pitchFamily="18" charset="0"/>
+                      </a:rPr>
+                      <m:t>𝑥𝑦</m:t>
+                    </m:r>
+                    <m:r>
+                      <a:rPr lang="en-US" b="0" i="1" smtClean="0">
+                        <a:latin typeface="Cambria Math" panose="02040503050406030204" pitchFamily="18" charset="0"/>
+                      </a:rPr>
+                      <m:t>+2</m:t>
+                    </m:r>
+                    <m:r>
+                      <a:rPr lang="en-US" b="0" i="1" smtClean="0">
+                        <a:latin typeface="Cambria Math" panose="02040503050406030204" pitchFamily="18" charset="0"/>
+                      </a:rPr>
+                      <m:t>𝑥</m:t>
+                    </m:r>
+                    <m:r>
+                      <a:rPr lang="en-US" b="0" i="1" smtClean="0">
+                        <a:latin typeface="Cambria Math" panose="02040503050406030204" pitchFamily="18" charset="0"/>
+                      </a:rPr>
+                      <m:t>+2</m:t>
+                    </m:r>
+                    <m:r>
+                      <a:rPr lang="en-US" b="0" i="1" smtClean="0">
+                        <a:latin typeface="Cambria Math" panose="02040503050406030204" pitchFamily="18" charset="0"/>
+                      </a:rPr>
+                      <m:t>𝑦</m:t>
+                    </m:r>
+                    <m:r>
+                      <a:rPr lang="en-US" b="0" i="1" smtClean="0">
+                        <a:latin typeface="Cambria Math" panose="02040503050406030204" pitchFamily="18" charset="0"/>
+                      </a:rPr>
+                      <m:t>+1=2</m:t>
+                    </m:r>
+                    <m:d>
+                      <m:dPr>
+                        <m:ctrlPr>
+                          <a:rPr lang="en-US" b="0" i="1" smtClean="0">
+                            <a:latin typeface="Cambria Math" panose="02040503050406030204" pitchFamily="18" charset="0"/>
+                          </a:rPr>
+                        </m:ctrlPr>
+                      </m:dPr>
+                      <m:e>
+                        <m:r>
+                          <a:rPr lang="en-US" b="0" i="1" smtClean="0">
+                            <a:latin typeface="Cambria Math" panose="02040503050406030204" pitchFamily="18" charset="0"/>
+                          </a:rPr>
+                          <m:t>2</m:t>
+                        </m:r>
+                        <m:r>
+                          <a:rPr lang="en-US" b="0" i="1" smtClean="0">
+                            <a:latin typeface="Cambria Math" panose="02040503050406030204" pitchFamily="18" charset="0"/>
+                          </a:rPr>
+                          <m:t>𝑥𝑦</m:t>
+                        </m:r>
+                        <m:r>
+                          <a:rPr lang="en-US" b="0" i="1" smtClean="0">
+                            <a:latin typeface="Cambria Math" panose="02040503050406030204" pitchFamily="18" charset="0"/>
+                          </a:rPr>
+                          <m:t>+</m:t>
+                        </m:r>
+                        <m:r>
+                          <a:rPr lang="en-US" b="0" i="1" smtClean="0">
+                            <a:latin typeface="Cambria Math" panose="02040503050406030204" pitchFamily="18" charset="0"/>
+                          </a:rPr>
+                          <m:t>𝑥</m:t>
+                        </m:r>
+                        <m:r>
+                          <a:rPr lang="en-US" b="0" i="1" smtClean="0">
+                            <a:latin typeface="Cambria Math" panose="02040503050406030204" pitchFamily="18" charset="0"/>
+                          </a:rPr>
+                          <m:t>+</m:t>
+                        </m:r>
+                        <m:r>
+                          <a:rPr lang="en-US" b="0" i="1" smtClean="0">
+                            <a:latin typeface="Cambria Math" panose="02040503050406030204" pitchFamily="18" charset="0"/>
+                          </a:rPr>
+                          <m:t>𝑦</m:t>
+                        </m:r>
+                      </m:e>
+                    </m:d>
+                    <m:r>
+                      <a:rPr lang="en-US" b="0" i="1" smtClean="0">
+                        <a:latin typeface="Cambria Math" panose="02040503050406030204" pitchFamily="18" charset="0"/>
+                      </a:rPr>
+                      <m:t>+1</m:t>
+                    </m:r>
+                  </m:oMath>
+                </a14:m>
+                <a:r>
+                  <a:rPr lang="en-US" dirty="0"/>
+                  <a:t> which is odd.</a:t>
                 </a:r>
               </a:p>
               <a:p>
@@ -10452,7 +11454,7 @@
             </p:txBody>
           </p:sp>
         </mc:Choice>
-        <mc:Fallback xmlns="">
+        <mc:Fallback>
           <p:sp>
             <p:nvSpPr>
               <p:cNvPr id="3" name="Content Placeholder 2">
@@ -10473,7 +11475,7 @@
               <a:blipFill>
                 <a:blip r:embed="rId2"/>
                 <a:stretch>
-                  <a:fillRect l="-1217" t="-380"/>
+                  <a:fillRect l="-1217" t="-380" r="-1333"/>
                 </a:stretch>
               </a:blipFill>
             </p:spPr>
@@ -10620,7 +11622,7 @@
 </file>
 
 <file path=ppt/slides/slide30.xml><?xml version="1.0" encoding="utf-8"?>
-<p:sld xmlns:a="http://schemas.openxmlformats.org/drawingml/2006/main" xmlns:r="http://schemas.openxmlformats.org/officeDocument/2006/relationships" xmlns:p="http://schemas.openxmlformats.org/presentationml/2006/main">
+<p:sld xmlns:a="http://schemas.openxmlformats.org/drawingml/2006/main" xmlns:r="http://schemas.openxmlformats.org/officeDocument/2006/relationships" xmlns:p="http://schemas.openxmlformats.org/presentationml/2006/main" show="0">
   <p:cSld>
     <p:spTree>
       <p:nvGrpSpPr>
@@ -11022,8 +12024,8 @@
           </a:p>
         </p:txBody>
       </p:sp>
-      <mc:AlternateContent xmlns:mc="http://schemas.openxmlformats.org/markup-compatibility/2006" xmlns:a14="http://schemas.microsoft.com/office/drawing/2010/main">
-        <mc:Choice Requires="a14">
+      <mc:AlternateContent xmlns:mc="http://schemas.openxmlformats.org/markup-compatibility/2006">
+        <mc:Choice xmlns:a14="http://schemas.microsoft.com/office/drawing/2010/main" Requires="a14">
           <p:sp>
             <p:nvSpPr>
               <p:cNvPr id="3" name="Content Placeholder 2">
@@ -11198,7 +12200,7 @@
                 </a:pPr>
                 <a:r>
                   <a:rPr lang="en-US" dirty="0"/>
-                  <a:t>Do you think the statement is true or false?</a:t>
+                  <a:t>Do you think the statement is true or false? TRUE</a:t>
                 </a:r>
               </a:p>
               <a:p>
@@ -11208,13 +12210,13 @@
                 </a:pPr>
                 <a:r>
                   <a:rPr lang="en-US" dirty="0"/>
-                  <a:t>Which strategy seems easiest to you?</a:t>
+                  <a:t>Which strategy seems easiest to you? INDIRECT</a:t>
                 </a:r>
               </a:p>
             </p:txBody>
           </p:sp>
         </mc:Choice>
-        <mc:Fallback xmlns="">
+        <mc:Fallback>
           <p:sp>
             <p:nvSpPr>
               <p:cNvPr id="3" name="Content Placeholder 2">
@@ -12177,7 +13179,7 @@
 </file>
 
 <file path=ppt/slides/slide33.xml><?xml version="1.0" encoding="utf-8"?>
-<p:sld xmlns:a="http://schemas.openxmlformats.org/drawingml/2006/main" xmlns:r="http://schemas.openxmlformats.org/officeDocument/2006/relationships" xmlns:p="http://schemas.openxmlformats.org/presentationml/2006/main">
+<p:sld xmlns:a="http://schemas.openxmlformats.org/drawingml/2006/main" xmlns:r="http://schemas.openxmlformats.org/officeDocument/2006/relationships" xmlns:p="http://schemas.openxmlformats.org/presentationml/2006/main" show="0">
   <p:cSld>
     <p:spTree>
       <p:nvGrpSpPr>
@@ -12598,8 +13600,8 @@
           </a:p>
         </p:txBody>
       </p:sp>
-      <mc:AlternateContent xmlns:mc="http://schemas.openxmlformats.org/markup-compatibility/2006" xmlns:a14="http://schemas.microsoft.com/office/drawing/2010/main">
-        <mc:Choice Requires="a14">
+      <mc:AlternateContent xmlns:mc="http://schemas.openxmlformats.org/markup-compatibility/2006">
+        <mc:Choice xmlns:a14="http://schemas.microsoft.com/office/drawing/2010/main" Requires="a14">
           <p:sp>
             <p:nvSpPr>
               <p:cNvPr id="3" name="Content Placeholder 2">
@@ -12619,7 +13621,7 @@
             <p:spPr/>
             <p:txBody>
               <a:bodyPr>
-                <a:normAutofit/>
+                <a:normAutofit fontScale="47500" lnSpcReduction="20000"/>
               </a:bodyPr>
               <a:lstStyle/>
               <a:p>
@@ -12781,6 +13783,1008 @@
                 </a:r>
               </a:p>
               <a:p>
+                <a:r>
+                  <a:rPr lang="en-US" dirty="0"/>
+                  <a:t>Case 1: </a:t>
+                </a:r>
+                <a14:m>
+                  <m:oMath xmlns:m="http://schemas.openxmlformats.org/officeDocument/2006/math">
+                    <m:r>
+                      <a:rPr lang="en-US" b="0" i="1" smtClean="0">
+                        <a:latin typeface="Cambria Math" panose="02040503050406030204" pitchFamily="18" charset="0"/>
+                      </a:rPr>
+                      <m:t>𝑥</m:t>
+                    </m:r>
+                  </m:oMath>
+                </a14:m>
+                <a:r>
+                  <a:rPr lang="en-US" dirty="0"/>
+                  <a:t> is even</a:t>
+                </a:r>
+              </a:p>
+              <a:p>
+                <a:r>
+                  <a:rPr lang="en-US" dirty="0"/>
+                  <a:t>Because </a:t>
+                </a:r>
+                <a14:m>
+                  <m:oMath xmlns:m="http://schemas.openxmlformats.org/officeDocument/2006/math">
+                    <m:r>
+                      <a:rPr lang="en-US" b="0" i="1" smtClean="0">
+                        <a:latin typeface="Cambria Math" panose="02040503050406030204" pitchFamily="18" charset="0"/>
+                      </a:rPr>
+                      <m:t>𝑥</m:t>
+                    </m:r>
+                  </m:oMath>
+                </a14:m>
+                <a:r>
+                  <a:rPr lang="en-US" dirty="0"/>
+                  <a:t> is even we can say </a:t>
+                </a:r>
+                <a14:m>
+                  <m:oMath xmlns:m="http://schemas.openxmlformats.org/officeDocument/2006/math">
+                    <m:r>
+                      <a:rPr lang="en-US" b="0" i="1" smtClean="0">
+                        <a:latin typeface="Cambria Math" panose="02040503050406030204" pitchFamily="18" charset="0"/>
+                      </a:rPr>
+                      <m:t>𝑥</m:t>
+                    </m:r>
+                    <m:r>
+                      <a:rPr lang="en-US" b="0" i="1" smtClean="0">
+                        <a:latin typeface="Cambria Math" panose="02040503050406030204" pitchFamily="18" charset="0"/>
+                      </a:rPr>
+                      <m:t>=2</m:t>
+                    </m:r>
+                    <m:r>
+                      <a:rPr lang="en-US" b="0" i="1" smtClean="0">
+                        <a:latin typeface="Cambria Math" panose="02040503050406030204" pitchFamily="18" charset="0"/>
+                      </a:rPr>
+                      <m:t>𝑎</m:t>
+                    </m:r>
+                  </m:oMath>
+                </a14:m>
+                <a:r>
+                  <a:rPr lang="en-US" dirty="0"/>
+                  <a:t>. This means that:</a:t>
+                </a:r>
+              </a:p>
+              <a:p>
+                <a14:m>
+                  <m:oMathPara xmlns:m="http://schemas.openxmlformats.org/officeDocument/2006/math">
+                    <m:oMathParaPr>
+                      <m:jc m:val="centerGroup"/>
+                    </m:oMathParaPr>
+                    <m:oMath xmlns:m="http://schemas.openxmlformats.org/officeDocument/2006/math">
+                      <m:sSup>
+                        <m:sSupPr>
+                          <m:ctrlPr>
+                            <a:rPr lang="en-US" b="0" i="1" smtClean="0">
+                              <a:latin typeface="Cambria Math" panose="02040503050406030204" pitchFamily="18" charset="0"/>
+                            </a:rPr>
+                          </m:ctrlPr>
+                        </m:sSupPr>
+                        <m:e>
+                          <m:r>
+                            <a:rPr lang="en-US" b="0" i="1" smtClean="0">
+                              <a:latin typeface="Cambria Math" panose="02040503050406030204" pitchFamily="18" charset="0"/>
+                            </a:rPr>
+                            <m:t>𝑥</m:t>
+                          </m:r>
+                        </m:e>
+                        <m:sup>
+                          <m:r>
+                            <a:rPr lang="en-US" b="0" i="1" smtClean="0">
+                              <a:latin typeface="Cambria Math" panose="02040503050406030204" pitchFamily="18" charset="0"/>
+                            </a:rPr>
+                            <m:t>2</m:t>
+                          </m:r>
+                        </m:sup>
+                      </m:sSup>
+                      <m:d>
+                        <m:dPr>
+                          <m:ctrlPr>
+                            <a:rPr lang="en-US" b="0" i="1" smtClean="0">
+                              <a:latin typeface="Cambria Math" panose="02040503050406030204" pitchFamily="18" charset="0"/>
+                            </a:rPr>
+                          </m:ctrlPr>
+                        </m:dPr>
+                        <m:e>
+                          <m:sSup>
+                            <m:sSupPr>
+                              <m:ctrlPr>
+                                <a:rPr lang="en-US" b="0" i="1" smtClean="0">
+                                  <a:latin typeface="Cambria Math" panose="02040503050406030204" pitchFamily="18" charset="0"/>
+                                </a:rPr>
+                              </m:ctrlPr>
+                            </m:sSupPr>
+                            <m:e>
+                              <m:r>
+                                <a:rPr lang="en-US" b="0" i="1" smtClean="0">
+                                  <a:latin typeface="Cambria Math" panose="02040503050406030204" pitchFamily="18" charset="0"/>
+                                </a:rPr>
+                                <m:t>𝑦</m:t>
+                              </m:r>
+                            </m:e>
+                            <m:sup>
+                              <m:r>
+                                <a:rPr lang="en-US" b="0" i="1" smtClean="0">
+                                  <a:latin typeface="Cambria Math" panose="02040503050406030204" pitchFamily="18" charset="0"/>
+                                </a:rPr>
+                                <m:t>2</m:t>
+                              </m:r>
+                            </m:sup>
+                          </m:sSup>
+                          <m:r>
+                            <a:rPr lang="en-US" b="0" i="1" smtClean="0">
+                              <a:latin typeface="Cambria Math" panose="02040503050406030204" pitchFamily="18" charset="0"/>
+                            </a:rPr>
+                            <m:t>−2</m:t>
+                          </m:r>
+                          <m:r>
+                            <a:rPr lang="en-US" b="0" i="1" smtClean="0">
+                              <a:latin typeface="Cambria Math" panose="02040503050406030204" pitchFamily="18" charset="0"/>
+                            </a:rPr>
+                            <m:t>𝑦</m:t>
+                          </m:r>
+                        </m:e>
+                      </m:d>
+                      <m:r>
+                        <a:rPr lang="en-US" b="0" i="1" smtClean="0">
+                          <a:latin typeface="Cambria Math" panose="02040503050406030204" pitchFamily="18" charset="0"/>
+                        </a:rPr>
+                        <m:t>=</m:t>
+                      </m:r>
+                      <m:sSup>
+                        <m:sSupPr>
+                          <m:ctrlPr>
+                            <a:rPr lang="en-US" b="0" i="1" smtClean="0">
+                              <a:latin typeface="Cambria Math" panose="02040503050406030204" pitchFamily="18" charset="0"/>
+                            </a:rPr>
+                          </m:ctrlPr>
+                        </m:sSupPr>
+                        <m:e>
+                          <m:d>
+                            <m:dPr>
+                              <m:ctrlPr>
+                                <a:rPr lang="en-US" b="0" i="1" smtClean="0">
+                                  <a:latin typeface="Cambria Math" panose="02040503050406030204" pitchFamily="18" charset="0"/>
+                                </a:rPr>
+                              </m:ctrlPr>
+                            </m:dPr>
+                            <m:e>
+                              <m:r>
+                                <a:rPr lang="en-US" b="0" i="1" smtClean="0">
+                                  <a:latin typeface="Cambria Math" panose="02040503050406030204" pitchFamily="18" charset="0"/>
+                                </a:rPr>
+                                <m:t>2</m:t>
+                              </m:r>
+                              <m:r>
+                                <a:rPr lang="en-US" b="0" i="1" smtClean="0">
+                                  <a:latin typeface="Cambria Math" panose="02040503050406030204" pitchFamily="18" charset="0"/>
+                                </a:rPr>
+                                <m:t>𝑎</m:t>
+                              </m:r>
+                            </m:e>
+                          </m:d>
+                        </m:e>
+                        <m:sup>
+                          <m:r>
+                            <a:rPr lang="en-US" b="0" i="1" smtClean="0">
+                              <a:latin typeface="Cambria Math" panose="02040503050406030204" pitchFamily="18" charset="0"/>
+                            </a:rPr>
+                            <m:t>2</m:t>
+                          </m:r>
+                        </m:sup>
+                      </m:sSup>
+                      <m:d>
+                        <m:dPr>
+                          <m:ctrlPr>
+                            <a:rPr lang="en-US" b="0" i="1" smtClean="0">
+                              <a:latin typeface="Cambria Math" panose="02040503050406030204" pitchFamily="18" charset="0"/>
+                            </a:rPr>
+                          </m:ctrlPr>
+                        </m:dPr>
+                        <m:e>
+                          <m:sSup>
+                            <m:sSupPr>
+                              <m:ctrlPr>
+                                <a:rPr lang="en-US" b="0" i="1" smtClean="0">
+                                  <a:latin typeface="Cambria Math" panose="02040503050406030204" pitchFamily="18" charset="0"/>
+                                </a:rPr>
+                              </m:ctrlPr>
+                            </m:sSupPr>
+                            <m:e>
+                              <m:r>
+                                <a:rPr lang="en-US" b="0" i="1" smtClean="0">
+                                  <a:latin typeface="Cambria Math" panose="02040503050406030204" pitchFamily="18" charset="0"/>
+                                </a:rPr>
+                                <m:t>𝑦</m:t>
+                              </m:r>
+                            </m:e>
+                            <m:sup>
+                              <m:r>
+                                <a:rPr lang="en-US" b="0" i="1" smtClean="0">
+                                  <a:latin typeface="Cambria Math" panose="02040503050406030204" pitchFamily="18" charset="0"/>
+                                </a:rPr>
+                                <m:t>2</m:t>
+                              </m:r>
+                            </m:sup>
+                          </m:sSup>
+                          <m:r>
+                            <a:rPr lang="en-US" b="0" i="1" smtClean="0">
+                              <a:latin typeface="Cambria Math" panose="02040503050406030204" pitchFamily="18" charset="0"/>
+                            </a:rPr>
+                            <m:t>−2</m:t>
+                          </m:r>
+                          <m:r>
+                            <a:rPr lang="en-US" b="0" i="1" smtClean="0">
+                              <a:latin typeface="Cambria Math" panose="02040503050406030204" pitchFamily="18" charset="0"/>
+                            </a:rPr>
+                            <m:t>𝑦</m:t>
+                          </m:r>
+                        </m:e>
+                      </m:d>
+                      <m:r>
+                        <a:rPr lang="en-US" b="0" i="1" smtClean="0">
+                          <a:latin typeface="Cambria Math" panose="02040503050406030204" pitchFamily="18" charset="0"/>
+                        </a:rPr>
+                        <m:t>=4</m:t>
+                      </m:r>
+                      <m:sSup>
+                        <m:sSupPr>
+                          <m:ctrlPr>
+                            <a:rPr lang="en-US" b="0" i="1" smtClean="0">
+                              <a:latin typeface="Cambria Math" panose="02040503050406030204" pitchFamily="18" charset="0"/>
+                            </a:rPr>
+                          </m:ctrlPr>
+                        </m:sSupPr>
+                        <m:e>
+                          <m:r>
+                            <a:rPr lang="en-US" b="0" i="1" smtClean="0">
+                              <a:latin typeface="Cambria Math" panose="02040503050406030204" pitchFamily="18" charset="0"/>
+                            </a:rPr>
+                            <m:t>𝑎</m:t>
+                          </m:r>
+                        </m:e>
+                        <m:sup>
+                          <m:r>
+                            <a:rPr lang="en-US" b="0" i="1" smtClean="0">
+                              <a:latin typeface="Cambria Math" panose="02040503050406030204" pitchFamily="18" charset="0"/>
+                            </a:rPr>
+                            <m:t>2</m:t>
+                          </m:r>
+                        </m:sup>
+                      </m:sSup>
+                      <m:d>
+                        <m:dPr>
+                          <m:ctrlPr>
+                            <a:rPr lang="en-US" b="0" i="1" smtClean="0">
+                              <a:latin typeface="Cambria Math" panose="02040503050406030204" pitchFamily="18" charset="0"/>
+                            </a:rPr>
+                          </m:ctrlPr>
+                        </m:dPr>
+                        <m:e>
+                          <m:sSup>
+                            <m:sSupPr>
+                              <m:ctrlPr>
+                                <a:rPr lang="en-US" b="0" i="1" smtClean="0">
+                                  <a:latin typeface="Cambria Math" panose="02040503050406030204" pitchFamily="18" charset="0"/>
+                                </a:rPr>
+                              </m:ctrlPr>
+                            </m:sSupPr>
+                            <m:e>
+                              <m:r>
+                                <a:rPr lang="en-US" b="0" i="1" smtClean="0">
+                                  <a:latin typeface="Cambria Math" panose="02040503050406030204" pitchFamily="18" charset="0"/>
+                                </a:rPr>
+                                <m:t>𝑦</m:t>
+                              </m:r>
+                            </m:e>
+                            <m:sup>
+                              <m:r>
+                                <a:rPr lang="en-US" b="0" i="1" smtClean="0">
+                                  <a:latin typeface="Cambria Math" panose="02040503050406030204" pitchFamily="18" charset="0"/>
+                                </a:rPr>
+                                <m:t>2</m:t>
+                              </m:r>
+                            </m:sup>
+                          </m:sSup>
+                          <m:r>
+                            <a:rPr lang="en-US" b="0" i="1" smtClean="0">
+                              <a:latin typeface="Cambria Math" panose="02040503050406030204" pitchFamily="18" charset="0"/>
+                            </a:rPr>
+                            <m:t>−2</m:t>
+                          </m:r>
+                          <m:r>
+                            <a:rPr lang="en-US" b="0" i="1" smtClean="0">
+                              <a:latin typeface="Cambria Math" panose="02040503050406030204" pitchFamily="18" charset="0"/>
+                            </a:rPr>
+                            <m:t>𝑦</m:t>
+                          </m:r>
+                        </m:e>
+                      </m:d>
+                      <m:r>
+                        <a:rPr lang="en-US" b="0" i="1" smtClean="0">
+                          <a:latin typeface="Cambria Math" panose="02040503050406030204" pitchFamily="18" charset="0"/>
+                        </a:rPr>
+                        <m:t>=2</m:t>
+                      </m:r>
+                      <m:d>
+                        <m:dPr>
+                          <m:ctrlPr>
+                            <a:rPr lang="en-US" b="0" i="1" smtClean="0">
+                              <a:latin typeface="Cambria Math" panose="02040503050406030204" pitchFamily="18" charset="0"/>
+                            </a:rPr>
+                          </m:ctrlPr>
+                        </m:dPr>
+                        <m:e>
+                          <m:d>
+                            <m:dPr>
+                              <m:ctrlPr>
+                                <a:rPr lang="en-US" b="0" i="1" smtClean="0">
+                                  <a:latin typeface="Cambria Math" panose="02040503050406030204" pitchFamily="18" charset="0"/>
+                                </a:rPr>
+                              </m:ctrlPr>
+                            </m:dPr>
+                            <m:e>
+                              <m:r>
+                                <a:rPr lang="en-US" b="0" i="1" smtClean="0">
+                                  <a:latin typeface="Cambria Math" panose="02040503050406030204" pitchFamily="18" charset="0"/>
+                                </a:rPr>
+                                <m:t>2</m:t>
+                              </m:r>
+                              <m:sSup>
+                                <m:sSupPr>
+                                  <m:ctrlPr>
+                                    <a:rPr lang="en-US" b="0" i="1" smtClean="0">
+                                      <a:latin typeface="Cambria Math" panose="02040503050406030204" pitchFamily="18" charset="0"/>
+                                    </a:rPr>
+                                  </m:ctrlPr>
+                                </m:sSupPr>
+                                <m:e>
+                                  <m:r>
+                                    <a:rPr lang="en-US" b="0" i="1" smtClean="0">
+                                      <a:latin typeface="Cambria Math" panose="02040503050406030204" pitchFamily="18" charset="0"/>
+                                    </a:rPr>
+                                    <m:t>𝑎</m:t>
+                                  </m:r>
+                                </m:e>
+                                <m:sup>
+                                  <m:r>
+                                    <a:rPr lang="en-US" b="0" i="1" smtClean="0">
+                                      <a:latin typeface="Cambria Math" panose="02040503050406030204" pitchFamily="18" charset="0"/>
+                                    </a:rPr>
+                                    <m:t>2</m:t>
+                                  </m:r>
+                                </m:sup>
+                              </m:sSup>
+                            </m:e>
+                          </m:d>
+                          <m:d>
+                            <m:dPr>
+                              <m:ctrlPr>
+                                <a:rPr lang="en-US" b="0" i="1" smtClean="0">
+                                  <a:latin typeface="Cambria Math" panose="02040503050406030204" pitchFamily="18" charset="0"/>
+                                </a:rPr>
+                              </m:ctrlPr>
+                            </m:dPr>
+                            <m:e>
+                              <m:sSup>
+                                <m:sSupPr>
+                                  <m:ctrlPr>
+                                    <a:rPr lang="en-US" b="0" i="1" smtClean="0">
+                                      <a:latin typeface="Cambria Math" panose="02040503050406030204" pitchFamily="18" charset="0"/>
+                                    </a:rPr>
+                                  </m:ctrlPr>
+                                </m:sSupPr>
+                                <m:e>
+                                  <m:r>
+                                    <a:rPr lang="en-US" b="0" i="1" smtClean="0">
+                                      <a:latin typeface="Cambria Math" panose="02040503050406030204" pitchFamily="18" charset="0"/>
+                                    </a:rPr>
+                                    <m:t>𝑦</m:t>
+                                  </m:r>
+                                </m:e>
+                                <m:sup>
+                                  <m:r>
+                                    <a:rPr lang="en-US" b="0" i="1" smtClean="0">
+                                      <a:latin typeface="Cambria Math" panose="02040503050406030204" pitchFamily="18" charset="0"/>
+                                    </a:rPr>
+                                    <m:t>2</m:t>
+                                  </m:r>
+                                </m:sup>
+                              </m:sSup>
+                              <m:r>
+                                <a:rPr lang="en-US" b="0" i="1" smtClean="0">
+                                  <a:latin typeface="Cambria Math" panose="02040503050406030204" pitchFamily="18" charset="0"/>
+                                </a:rPr>
+                                <m:t>−2</m:t>
+                              </m:r>
+                              <m:r>
+                                <a:rPr lang="en-US" b="0" i="1" smtClean="0">
+                                  <a:latin typeface="Cambria Math" panose="02040503050406030204" pitchFamily="18" charset="0"/>
+                                </a:rPr>
+                                <m:t>𝑦</m:t>
+                              </m:r>
+                            </m:e>
+                          </m:d>
+                        </m:e>
+                      </m:d>
+                    </m:oMath>
+                  </m:oMathPara>
+                </a14:m>
+                <a:endParaRPr lang="en-US" dirty="0"/>
+              </a:p>
+              <a:p>
+                <a:r>
+                  <a:rPr lang="en-US" dirty="0"/>
+                  <a:t>Which is even</a:t>
+                </a:r>
+              </a:p>
+              <a:p>
+                <a:r>
+                  <a:rPr lang="en-US" dirty="0"/>
+                  <a:t>Case2: </a:t>
+                </a:r>
+                <a14:m>
+                  <m:oMath xmlns:m="http://schemas.openxmlformats.org/officeDocument/2006/math">
+                    <m:r>
+                      <a:rPr lang="en-US" b="0" i="1" smtClean="0">
+                        <a:latin typeface="Cambria Math" panose="02040503050406030204" pitchFamily="18" charset="0"/>
+                      </a:rPr>
+                      <m:t>𝑦</m:t>
+                    </m:r>
+                  </m:oMath>
+                </a14:m>
+                <a:r>
+                  <a:rPr lang="en-US" dirty="0"/>
+                  <a:t> is even</a:t>
+                </a:r>
+              </a:p>
+              <a:p>
+                <a:r>
+                  <a:rPr lang="en-US" dirty="0"/>
+                  <a:t>Because </a:t>
+                </a:r>
+                <a14:m>
+                  <m:oMath xmlns:m="http://schemas.openxmlformats.org/officeDocument/2006/math">
+                    <m:r>
+                      <a:rPr lang="en-US" b="0" i="1" smtClean="0">
+                        <a:latin typeface="Cambria Math" panose="02040503050406030204" pitchFamily="18" charset="0"/>
+                      </a:rPr>
+                      <m:t>𝑦</m:t>
+                    </m:r>
+                  </m:oMath>
+                </a14:m>
+                <a:r>
+                  <a:rPr lang="en-US" dirty="0"/>
+                  <a:t> is even we can say </a:t>
+                </a:r>
+                <a14:m>
+                  <m:oMath xmlns:m="http://schemas.openxmlformats.org/officeDocument/2006/math">
+                    <m:r>
+                      <a:rPr lang="en-US" b="0" i="1" smtClean="0">
+                        <a:latin typeface="Cambria Math" panose="02040503050406030204" pitchFamily="18" charset="0"/>
+                      </a:rPr>
+                      <m:t>𝑦</m:t>
+                    </m:r>
+                    <m:r>
+                      <a:rPr lang="en-US" b="0" i="1" smtClean="0">
+                        <a:latin typeface="Cambria Math" panose="02040503050406030204" pitchFamily="18" charset="0"/>
+                      </a:rPr>
+                      <m:t>=2</m:t>
+                    </m:r>
+                    <m:r>
+                      <a:rPr lang="en-US" b="0" i="1" smtClean="0">
+                        <a:latin typeface="Cambria Math" panose="02040503050406030204" pitchFamily="18" charset="0"/>
+                      </a:rPr>
+                      <m:t>𝑏</m:t>
+                    </m:r>
+                  </m:oMath>
+                </a14:m>
+                <a:r>
+                  <a:rPr lang="en-US" dirty="0"/>
+                  <a:t>. This means that:</a:t>
+                </a:r>
+              </a:p>
+              <a:p>
+                <a14:m>
+                  <m:oMath xmlns:m="http://schemas.openxmlformats.org/officeDocument/2006/math">
+                    <m:sSup>
+                      <m:sSupPr>
+                        <m:ctrlPr>
+                          <a:rPr lang="en-US" i="1">
+                            <a:latin typeface="Cambria Math" panose="02040503050406030204" pitchFamily="18" charset="0"/>
+                          </a:rPr>
+                        </m:ctrlPr>
+                      </m:sSupPr>
+                      <m:e>
+                        <m:r>
+                          <a:rPr lang="en-US" i="1">
+                            <a:latin typeface="Cambria Math" panose="02040503050406030204" pitchFamily="18" charset="0"/>
+                          </a:rPr>
+                          <m:t>𝑥</m:t>
+                        </m:r>
+                      </m:e>
+                      <m:sup>
+                        <m:r>
+                          <a:rPr lang="en-US" i="1">
+                            <a:latin typeface="Cambria Math" panose="02040503050406030204" pitchFamily="18" charset="0"/>
+                          </a:rPr>
+                          <m:t>2</m:t>
+                        </m:r>
+                      </m:sup>
+                    </m:sSup>
+                    <m:d>
+                      <m:dPr>
+                        <m:ctrlPr>
+                          <a:rPr lang="en-US" i="1">
+                            <a:latin typeface="Cambria Math" panose="02040503050406030204" pitchFamily="18" charset="0"/>
+                          </a:rPr>
+                        </m:ctrlPr>
+                      </m:dPr>
+                      <m:e>
+                        <m:sSup>
+                          <m:sSupPr>
+                            <m:ctrlPr>
+                              <a:rPr lang="en-US" i="1">
+                                <a:latin typeface="Cambria Math" panose="02040503050406030204" pitchFamily="18" charset="0"/>
+                              </a:rPr>
+                            </m:ctrlPr>
+                          </m:sSupPr>
+                          <m:e>
+                            <m:r>
+                              <a:rPr lang="en-US" i="1">
+                                <a:latin typeface="Cambria Math" panose="02040503050406030204" pitchFamily="18" charset="0"/>
+                              </a:rPr>
+                              <m:t>𝑦</m:t>
+                            </m:r>
+                          </m:e>
+                          <m:sup>
+                            <m:r>
+                              <a:rPr lang="en-US" i="1">
+                                <a:latin typeface="Cambria Math" panose="02040503050406030204" pitchFamily="18" charset="0"/>
+                              </a:rPr>
+                              <m:t>2</m:t>
+                            </m:r>
+                          </m:sup>
+                        </m:sSup>
+                        <m:r>
+                          <a:rPr lang="en-US" i="1">
+                            <a:latin typeface="Cambria Math" panose="02040503050406030204" pitchFamily="18" charset="0"/>
+                          </a:rPr>
+                          <m:t>−2</m:t>
+                        </m:r>
+                        <m:r>
+                          <a:rPr lang="en-US" i="1">
+                            <a:latin typeface="Cambria Math" panose="02040503050406030204" pitchFamily="18" charset="0"/>
+                          </a:rPr>
+                          <m:t>𝑦</m:t>
+                        </m:r>
+                      </m:e>
+                    </m:d>
+                    <m:r>
+                      <a:rPr lang="en-US" i="1">
+                        <a:latin typeface="Cambria Math" panose="02040503050406030204" pitchFamily="18" charset="0"/>
+                      </a:rPr>
+                      <m:t>=</m:t>
+                    </m:r>
+                    <m:sSup>
+                      <m:sSupPr>
+                        <m:ctrlPr>
+                          <a:rPr lang="en-US" b="0" i="1" smtClean="0">
+                            <a:latin typeface="Cambria Math" panose="02040503050406030204" pitchFamily="18" charset="0"/>
+                          </a:rPr>
+                        </m:ctrlPr>
+                      </m:sSupPr>
+                      <m:e>
+                        <m:r>
+                          <a:rPr lang="en-US" b="0" i="1" smtClean="0">
+                            <a:latin typeface="Cambria Math" panose="02040503050406030204" pitchFamily="18" charset="0"/>
+                          </a:rPr>
+                          <m:t>𝑥</m:t>
+                        </m:r>
+                      </m:e>
+                      <m:sup>
+                        <m:r>
+                          <a:rPr lang="en-US" b="0" i="1" smtClean="0">
+                            <a:latin typeface="Cambria Math" panose="02040503050406030204" pitchFamily="18" charset="0"/>
+                          </a:rPr>
+                          <m:t>2</m:t>
+                        </m:r>
+                      </m:sup>
+                    </m:sSup>
+                    <m:d>
+                      <m:dPr>
+                        <m:ctrlPr>
+                          <a:rPr lang="en-US" b="0" i="1" smtClean="0">
+                            <a:latin typeface="Cambria Math" panose="02040503050406030204" pitchFamily="18" charset="0"/>
+                          </a:rPr>
+                        </m:ctrlPr>
+                      </m:dPr>
+                      <m:e>
+                        <m:sSup>
+                          <m:sSupPr>
+                            <m:ctrlPr>
+                              <a:rPr lang="en-US" b="0" i="1" smtClean="0">
+                                <a:latin typeface="Cambria Math" panose="02040503050406030204" pitchFamily="18" charset="0"/>
+                              </a:rPr>
+                            </m:ctrlPr>
+                          </m:sSupPr>
+                          <m:e>
+                            <m:d>
+                              <m:dPr>
+                                <m:ctrlPr>
+                                  <a:rPr lang="en-US" b="0" i="1" smtClean="0">
+                                    <a:latin typeface="Cambria Math" panose="02040503050406030204" pitchFamily="18" charset="0"/>
+                                  </a:rPr>
+                                </m:ctrlPr>
+                              </m:dPr>
+                              <m:e>
+                                <m:r>
+                                  <a:rPr lang="en-US" b="0" i="1" smtClean="0">
+                                    <a:latin typeface="Cambria Math" panose="02040503050406030204" pitchFamily="18" charset="0"/>
+                                  </a:rPr>
+                                  <m:t>2</m:t>
+                                </m:r>
+                                <m:r>
+                                  <a:rPr lang="en-US" b="0" i="1" smtClean="0">
+                                    <a:latin typeface="Cambria Math" panose="02040503050406030204" pitchFamily="18" charset="0"/>
+                                  </a:rPr>
+                                  <m:t>𝑏</m:t>
+                                </m:r>
+                              </m:e>
+                            </m:d>
+                          </m:e>
+                          <m:sup>
+                            <m:r>
+                              <a:rPr lang="en-US" b="0" i="1" smtClean="0">
+                                <a:latin typeface="Cambria Math" panose="02040503050406030204" pitchFamily="18" charset="0"/>
+                              </a:rPr>
+                              <m:t>2</m:t>
+                            </m:r>
+                          </m:sup>
+                        </m:sSup>
+                        <m:r>
+                          <a:rPr lang="en-US" b="0" i="1" smtClean="0">
+                            <a:latin typeface="Cambria Math" panose="02040503050406030204" pitchFamily="18" charset="0"/>
+                          </a:rPr>
+                          <m:t>−2</m:t>
+                        </m:r>
+                        <m:d>
+                          <m:dPr>
+                            <m:ctrlPr>
+                              <a:rPr lang="en-US" b="0" i="1" smtClean="0">
+                                <a:latin typeface="Cambria Math" panose="02040503050406030204" pitchFamily="18" charset="0"/>
+                              </a:rPr>
+                            </m:ctrlPr>
+                          </m:dPr>
+                          <m:e>
+                            <m:r>
+                              <a:rPr lang="en-US" b="0" i="1" smtClean="0">
+                                <a:latin typeface="Cambria Math" panose="02040503050406030204" pitchFamily="18" charset="0"/>
+                              </a:rPr>
+                              <m:t>2</m:t>
+                            </m:r>
+                            <m:r>
+                              <a:rPr lang="en-US" b="0" i="1" smtClean="0">
+                                <a:latin typeface="Cambria Math" panose="02040503050406030204" pitchFamily="18" charset="0"/>
+                              </a:rPr>
+                              <m:t>𝑏</m:t>
+                            </m:r>
+                          </m:e>
+                        </m:d>
+                      </m:e>
+                    </m:d>
+                    <m:r>
+                      <a:rPr lang="en-US" b="0" i="1" smtClean="0">
+                        <a:latin typeface="Cambria Math" panose="02040503050406030204" pitchFamily="18" charset="0"/>
+                      </a:rPr>
+                      <m:t>=</m:t>
+                    </m:r>
+                    <m:sSup>
+                      <m:sSupPr>
+                        <m:ctrlPr>
+                          <a:rPr lang="en-US" b="0" i="1" smtClean="0">
+                            <a:latin typeface="Cambria Math" panose="02040503050406030204" pitchFamily="18" charset="0"/>
+                          </a:rPr>
+                        </m:ctrlPr>
+                      </m:sSupPr>
+                      <m:e>
+                        <m:r>
+                          <a:rPr lang="en-US" b="0" i="1" smtClean="0">
+                            <a:latin typeface="Cambria Math" panose="02040503050406030204" pitchFamily="18" charset="0"/>
+                          </a:rPr>
+                          <m:t>𝑥</m:t>
+                        </m:r>
+                      </m:e>
+                      <m:sup>
+                        <m:r>
+                          <a:rPr lang="en-US" b="0" i="1" smtClean="0">
+                            <a:latin typeface="Cambria Math" panose="02040503050406030204" pitchFamily="18" charset="0"/>
+                          </a:rPr>
+                          <m:t>2</m:t>
+                        </m:r>
+                      </m:sup>
+                    </m:sSup>
+                    <m:d>
+                      <m:dPr>
+                        <m:ctrlPr>
+                          <a:rPr lang="en-US" b="0" i="1" smtClean="0">
+                            <a:latin typeface="Cambria Math" panose="02040503050406030204" pitchFamily="18" charset="0"/>
+                          </a:rPr>
+                        </m:ctrlPr>
+                      </m:dPr>
+                      <m:e>
+                        <m:r>
+                          <a:rPr lang="en-US" b="0" i="1" smtClean="0">
+                            <a:latin typeface="Cambria Math" panose="02040503050406030204" pitchFamily="18" charset="0"/>
+                          </a:rPr>
+                          <m:t>4</m:t>
+                        </m:r>
+                        <m:sSup>
+                          <m:sSupPr>
+                            <m:ctrlPr>
+                              <a:rPr lang="en-US" b="0" i="1" smtClean="0">
+                                <a:latin typeface="Cambria Math" panose="02040503050406030204" pitchFamily="18" charset="0"/>
+                              </a:rPr>
+                            </m:ctrlPr>
+                          </m:sSupPr>
+                          <m:e>
+                            <m:r>
+                              <a:rPr lang="en-US" b="0" i="1" smtClean="0">
+                                <a:latin typeface="Cambria Math" panose="02040503050406030204" pitchFamily="18" charset="0"/>
+                              </a:rPr>
+                              <m:t>𝑏</m:t>
+                            </m:r>
+                          </m:e>
+                          <m:sup>
+                            <m:r>
+                              <a:rPr lang="en-US" b="0" i="1" smtClean="0">
+                                <a:latin typeface="Cambria Math" panose="02040503050406030204" pitchFamily="18" charset="0"/>
+                              </a:rPr>
+                              <m:t>2</m:t>
+                            </m:r>
+                          </m:sup>
+                        </m:sSup>
+                        <m:r>
+                          <a:rPr lang="en-US" b="0" i="1" smtClean="0">
+                            <a:latin typeface="Cambria Math" panose="02040503050406030204" pitchFamily="18" charset="0"/>
+                          </a:rPr>
+                          <m:t>−4</m:t>
+                        </m:r>
+                        <m:r>
+                          <a:rPr lang="en-US" b="0" i="1" smtClean="0">
+                            <a:latin typeface="Cambria Math" panose="02040503050406030204" pitchFamily="18" charset="0"/>
+                          </a:rPr>
+                          <m:t>𝑏</m:t>
+                        </m:r>
+                      </m:e>
+                    </m:d>
+                    <m:r>
+                      <a:rPr lang="en-US" b="0" i="1" smtClean="0">
+                        <a:latin typeface="Cambria Math" panose="02040503050406030204" pitchFamily="18" charset="0"/>
+                      </a:rPr>
+                      <m:t>=2</m:t>
+                    </m:r>
+                    <m:d>
+                      <m:dPr>
+                        <m:ctrlPr>
+                          <a:rPr lang="en-US" b="0" i="1" smtClean="0">
+                            <a:latin typeface="Cambria Math" panose="02040503050406030204" pitchFamily="18" charset="0"/>
+                          </a:rPr>
+                        </m:ctrlPr>
+                      </m:dPr>
+                      <m:e>
+                        <m:r>
+                          <a:rPr lang="en-US" b="0" i="1" smtClean="0">
+                            <a:latin typeface="Cambria Math" panose="02040503050406030204" pitchFamily="18" charset="0"/>
+                          </a:rPr>
+                          <m:t>2</m:t>
+                        </m:r>
+                        <m:sSup>
+                          <m:sSupPr>
+                            <m:ctrlPr>
+                              <a:rPr lang="en-US" b="0" i="1" smtClean="0">
+                                <a:latin typeface="Cambria Math" panose="02040503050406030204" pitchFamily="18" charset="0"/>
+                              </a:rPr>
+                            </m:ctrlPr>
+                          </m:sSupPr>
+                          <m:e>
+                            <m:r>
+                              <a:rPr lang="en-US" b="0" i="1" smtClean="0">
+                                <a:latin typeface="Cambria Math" panose="02040503050406030204" pitchFamily="18" charset="0"/>
+                              </a:rPr>
+                              <m:t>𝑥</m:t>
+                            </m:r>
+                          </m:e>
+                          <m:sup>
+                            <m:r>
+                              <a:rPr lang="en-US" b="0" i="1" smtClean="0">
+                                <a:latin typeface="Cambria Math" panose="02040503050406030204" pitchFamily="18" charset="0"/>
+                              </a:rPr>
+                              <m:t>2</m:t>
+                            </m:r>
+                          </m:sup>
+                        </m:sSup>
+                        <m:d>
+                          <m:dPr>
+                            <m:ctrlPr>
+                              <a:rPr lang="en-US" b="0" i="1" smtClean="0">
+                                <a:latin typeface="Cambria Math" panose="02040503050406030204" pitchFamily="18" charset="0"/>
+                              </a:rPr>
+                            </m:ctrlPr>
+                          </m:dPr>
+                          <m:e>
+                            <m:sSup>
+                              <m:sSupPr>
+                                <m:ctrlPr>
+                                  <a:rPr lang="en-US" b="0" i="1" smtClean="0">
+                                    <a:latin typeface="Cambria Math" panose="02040503050406030204" pitchFamily="18" charset="0"/>
+                                  </a:rPr>
+                                </m:ctrlPr>
+                              </m:sSupPr>
+                              <m:e>
+                                <m:r>
+                                  <a:rPr lang="en-US" b="0" i="1" smtClean="0">
+                                    <a:latin typeface="Cambria Math" panose="02040503050406030204" pitchFamily="18" charset="0"/>
+                                  </a:rPr>
+                                  <m:t>𝑏</m:t>
+                                </m:r>
+                              </m:e>
+                              <m:sup>
+                                <m:r>
+                                  <a:rPr lang="en-US" b="0" i="1" smtClean="0">
+                                    <a:latin typeface="Cambria Math" panose="02040503050406030204" pitchFamily="18" charset="0"/>
+                                  </a:rPr>
+                                  <m:t>2</m:t>
+                                </m:r>
+                              </m:sup>
+                            </m:sSup>
+                            <m:r>
+                              <a:rPr lang="en-US" b="0" i="1" smtClean="0">
+                                <a:latin typeface="Cambria Math" panose="02040503050406030204" pitchFamily="18" charset="0"/>
+                              </a:rPr>
+                              <m:t>−</m:t>
+                            </m:r>
+                            <m:r>
+                              <a:rPr lang="en-US" b="0" i="1" smtClean="0">
+                                <a:latin typeface="Cambria Math" panose="02040503050406030204" pitchFamily="18" charset="0"/>
+                              </a:rPr>
+                              <m:t>𝑏</m:t>
+                            </m:r>
+                          </m:e>
+                        </m:d>
+                      </m:e>
+                    </m:d>
+                  </m:oMath>
+                </a14:m>
+                <a:r>
+                  <a:rPr lang="en-US" dirty="0"/>
+                  <a:t> which is even.</a:t>
+                </a:r>
+              </a:p>
+              <a:p>
+                <a:r>
+                  <a:rPr lang="en-US" dirty="0"/>
+                  <a:t>Because either one of </a:t>
+                </a:r>
+                <a14:m>
+                  <m:oMath xmlns:m="http://schemas.openxmlformats.org/officeDocument/2006/math">
+                    <m:r>
+                      <a:rPr lang="en-US" b="0" i="1" smtClean="0">
+                        <a:latin typeface="Cambria Math" panose="02040503050406030204" pitchFamily="18" charset="0"/>
+                      </a:rPr>
+                      <m:t>𝑥</m:t>
+                    </m:r>
+                  </m:oMath>
+                </a14:m>
+                <a:r>
+                  <a:rPr lang="en-US" dirty="0"/>
+                  <a:t> or </a:t>
+                </a:r>
+                <a14:m>
+                  <m:oMath xmlns:m="http://schemas.openxmlformats.org/officeDocument/2006/math">
+                    <m:r>
+                      <a:rPr lang="en-US" b="0" i="1" smtClean="0">
+                        <a:latin typeface="Cambria Math" panose="02040503050406030204" pitchFamily="18" charset="0"/>
+                      </a:rPr>
+                      <m:t>𝑦</m:t>
+                    </m:r>
+                  </m:oMath>
+                </a14:m>
+                <a:r>
+                  <a:rPr lang="en-US" dirty="0"/>
+                  <a:t> being even makes </a:t>
+                </a:r>
+                <a14:m>
+                  <m:oMath xmlns:m="http://schemas.openxmlformats.org/officeDocument/2006/math">
+                    <m:sSup>
+                      <m:sSupPr>
+                        <m:ctrlPr>
+                          <a:rPr lang="en-US" b="0" i="1" smtClean="0">
+                            <a:latin typeface="Cambria Math" panose="02040503050406030204" pitchFamily="18" charset="0"/>
+                          </a:rPr>
+                        </m:ctrlPr>
+                      </m:sSupPr>
+                      <m:e>
+                        <m:r>
+                          <a:rPr lang="en-US" b="0" i="1" smtClean="0">
+                            <a:latin typeface="Cambria Math" panose="02040503050406030204" pitchFamily="18" charset="0"/>
+                          </a:rPr>
+                          <m:t>𝑥</m:t>
+                        </m:r>
+                      </m:e>
+                      <m:sup>
+                        <m:r>
+                          <a:rPr lang="en-US" b="0" i="1" smtClean="0">
+                            <a:latin typeface="Cambria Math" panose="02040503050406030204" pitchFamily="18" charset="0"/>
+                          </a:rPr>
+                          <m:t>2</m:t>
+                        </m:r>
+                      </m:sup>
+                    </m:sSup>
+                    <m:d>
+                      <m:dPr>
+                        <m:ctrlPr>
+                          <a:rPr lang="en-US" b="0" i="1" smtClean="0">
+                            <a:latin typeface="Cambria Math" panose="02040503050406030204" pitchFamily="18" charset="0"/>
+                          </a:rPr>
+                        </m:ctrlPr>
+                      </m:dPr>
+                      <m:e>
+                        <m:sSup>
+                          <m:sSupPr>
+                            <m:ctrlPr>
+                              <a:rPr lang="en-US" b="0" i="1" smtClean="0">
+                                <a:latin typeface="Cambria Math" panose="02040503050406030204" pitchFamily="18" charset="0"/>
+                              </a:rPr>
+                            </m:ctrlPr>
+                          </m:sSupPr>
+                          <m:e>
+                            <m:r>
+                              <a:rPr lang="en-US" b="0" i="1" smtClean="0">
+                                <a:latin typeface="Cambria Math" panose="02040503050406030204" pitchFamily="18" charset="0"/>
+                              </a:rPr>
+                              <m:t>𝑦</m:t>
+                            </m:r>
+                          </m:e>
+                          <m:sup>
+                            <m:r>
+                              <a:rPr lang="en-US" b="0" i="1" smtClean="0">
+                                <a:latin typeface="Cambria Math" panose="02040503050406030204" pitchFamily="18" charset="0"/>
+                              </a:rPr>
+                              <m:t>2</m:t>
+                            </m:r>
+                          </m:sup>
+                        </m:sSup>
+                        <m:r>
+                          <a:rPr lang="en-US" b="0" i="1" smtClean="0">
+                            <a:latin typeface="Cambria Math" panose="02040503050406030204" pitchFamily="18" charset="0"/>
+                          </a:rPr>
+                          <m:t>−2</m:t>
+                        </m:r>
+                        <m:r>
+                          <a:rPr lang="en-US" b="0" i="1" smtClean="0">
+                            <a:latin typeface="Cambria Math" panose="02040503050406030204" pitchFamily="18" charset="0"/>
+                          </a:rPr>
+                          <m:t>𝑦</m:t>
+                        </m:r>
+                      </m:e>
+                    </m:d>
+                  </m:oMath>
+                </a14:m>
+                <a:r>
+                  <a:rPr lang="en-US" dirty="0"/>
+                  <a:t> even, our </a:t>
+                </a:r>
+                <a:r>
+                  <a:rPr lang="en-US"/>
+                  <a:t>proof is complete</a:t>
+                </a:r>
+                <a:endParaRPr lang="en-US" dirty="0"/>
+              </a:p>
+              <a:p>
                 <a:pPr marL="457200" indent="-457200">
                   <a:buFont typeface="Arial" panose="020B0604020202020204" pitchFamily="34" charset="0"/>
                   <a:buChar char="•"/>
@@ -12811,7 +14815,7 @@
             </p:txBody>
           </p:sp>
         </mc:Choice>
-        <mc:Fallback xmlns="">
+        <mc:Fallback>
           <p:sp>
             <p:nvSpPr>
               <p:cNvPr id="3" name="Content Placeholder 2">
@@ -12832,7 +14836,7 @@
               <a:blipFill>
                 <a:blip r:embed="rId2"/>
                 <a:stretch>
-                  <a:fillRect l="-1217" t="-380"/>
+                  <a:fillRect l="-116" t="-127"/>
                 </a:stretch>
               </a:blipFill>
             </p:spPr>
@@ -12865,7 +14869,7 @@
 </file>
 
 <file path=ppt/slides/slide35.xml><?xml version="1.0" encoding="utf-8"?>
-<p:sld xmlns:a="http://schemas.openxmlformats.org/drawingml/2006/main" xmlns:r="http://schemas.openxmlformats.org/officeDocument/2006/relationships" xmlns:p="http://schemas.openxmlformats.org/presentationml/2006/main">
+<p:sld xmlns:a="http://schemas.openxmlformats.org/drawingml/2006/main" xmlns:r="http://schemas.openxmlformats.org/officeDocument/2006/relationships" xmlns:p="http://schemas.openxmlformats.org/presentationml/2006/main" show="0">
   <p:cSld>
     <p:spTree>
       <p:nvGrpSpPr>
@@ -25390,15 +27394,7 @@
             </a:pPr>
             <a:r>
               <a:rPr lang="en-US" dirty="0"/>
-              <a:t>CSE (Allen</a:t>
-            </a:r>
-            <a:r>
-              <a:rPr lang="en-US"/>
-              <a:t>) 343 </a:t>
-            </a:r>
-            <a:r>
-              <a:rPr lang="en-US" dirty="0"/>
-              <a:t>if you’re coming later</a:t>
+              <a:t>CSE (Allen) 343 if you’re coming later</a:t>
             </a:r>
           </a:p>
           <a:p>
@@ -25766,8 +27762,8 @@
           </a:p>
         </p:txBody>
       </p:sp>
-      <mc:AlternateContent xmlns:mc="http://schemas.openxmlformats.org/markup-compatibility/2006" xmlns:a14="http://schemas.microsoft.com/office/drawing/2010/main">
-        <mc:Choice Requires="a14">
+      <mc:AlternateContent xmlns:mc="http://schemas.openxmlformats.org/markup-compatibility/2006">
+        <mc:Choice xmlns:a14="http://schemas.microsoft.com/office/drawing/2010/main" Requires="a14">
           <p:sp>
             <p:nvSpPr>
               <p:cNvPr id="3" name="Content Placeholder 2">
@@ -25886,7 +27882,7 @@
                 </a:pPr>
                 <a:r>
                   <a:rPr lang="en-US" dirty="0"/>
-                  <a:t>Do you think the statement is true or false?</a:t>
+                  <a:t>Do you think the statement is true or false? TRUE</a:t>
                 </a:r>
               </a:p>
               <a:p>
@@ -25896,13 +27892,13 @@
                 </a:pPr>
                 <a:r>
                   <a:rPr lang="en-US" dirty="0"/>
-                  <a:t>Which strategy seems easiest to you?</a:t>
+                  <a:t>Which strategy seems easiest to you? DIRECT</a:t>
                 </a:r>
               </a:p>
             </p:txBody>
           </p:sp>
         </mc:Choice>
-        <mc:Fallback xmlns="">
+        <mc:Fallback>
           <p:sp>
             <p:nvSpPr>
               <p:cNvPr id="3" name="Content Placeholder 2">
